--- a/docs/TData.pptx
+++ b/docs/TData.pptx
@@ -8,17 +8,18 @@
     <p:sldId id="256" r:id="rId2"/>
     <p:sldId id="257" r:id="rId3"/>
     <p:sldId id="258" r:id="rId4"/>
-    <p:sldId id="259" r:id="rId5"/>
-    <p:sldId id="260" r:id="rId6"/>
+    <p:sldId id="271" r:id="rId5"/>
+    <p:sldId id="272" r:id="rId6"/>
     <p:sldId id="261" r:id="rId7"/>
-    <p:sldId id="262" r:id="rId8"/>
-    <p:sldId id="263" r:id="rId9"/>
-    <p:sldId id="264" r:id="rId10"/>
-    <p:sldId id="265" r:id="rId11"/>
-    <p:sldId id="266" r:id="rId12"/>
-    <p:sldId id="267" r:id="rId13"/>
-    <p:sldId id="268" r:id="rId14"/>
-    <p:sldId id="269" r:id="rId15"/>
+    <p:sldId id="263" r:id="rId8"/>
+    <p:sldId id="273" r:id="rId9"/>
+    <p:sldId id="274" r:id="rId10"/>
+    <p:sldId id="275" r:id="rId11"/>
+    <p:sldId id="276" r:id="rId12"/>
+    <p:sldId id="277" r:id="rId13"/>
+    <p:sldId id="278" r:id="rId14"/>
+    <p:sldId id="279" r:id="rId15"/>
+    <p:sldId id="280" r:id="rId16"/>
   </p:sldIdLst>
   <p:sldSz cx="12192000" cy="6858000"/>
   <p:notesSz cx="6858000" cy="9144000"/>
@@ -457,7 +458,7 @@
             <a:fld id="{B61BEF0D-F0BB-DE4B-95CE-6DB70DBA9567}" type="datetimeFigureOut">
               <a:rPr lang="en-US" dirty="0"/>
               <a:pPr/>
-              <a:t>4/8/2014</a:t>
+              <a:t>4/9/2014</a:t>
             </a:fld>
             <a:endParaRPr lang="en-US" dirty="0"/>
           </a:p>
@@ -778,7 +779,7 @@
             <a:fld id="{B61BEF0D-F0BB-DE4B-95CE-6DB70DBA9567}" type="datetimeFigureOut">
               <a:rPr lang="en-US" dirty="0"/>
               <a:pPr/>
-              <a:t>4/8/2014</a:t>
+              <a:t>4/9/2014</a:t>
             </a:fld>
             <a:endParaRPr lang="en-US" dirty="0"/>
           </a:p>
@@ -1023,7 +1024,7 @@
             <a:fld id="{B61BEF0D-F0BB-DE4B-95CE-6DB70DBA9567}" type="datetimeFigureOut">
               <a:rPr lang="en-US" dirty="0"/>
               <a:pPr/>
-              <a:t>4/8/2014</a:t>
+              <a:t>4/9/2014</a:t>
             </a:fld>
             <a:endParaRPr lang="en-US" dirty="0"/>
           </a:p>
@@ -1359,7 +1360,7 @@
             <a:fld id="{B61BEF0D-F0BB-DE4B-95CE-6DB70DBA9567}" type="datetimeFigureOut">
               <a:rPr lang="en-US" dirty="0"/>
               <a:pPr/>
-              <a:t>4/8/2014</a:t>
+              <a:t>4/9/2014</a:t>
             </a:fld>
             <a:endParaRPr lang="en-US" dirty="0"/>
           </a:p>
@@ -1703,7 +1704,7 @@
             <a:fld id="{B61BEF0D-F0BB-DE4B-95CE-6DB70DBA9567}" type="datetimeFigureOut">
               <a:rPr lang="en-US" dirty="0"/>
               <a:pPr/>
-              <a:t>4/8/2014</a:t>
+              <a:t>4/9/2014</a:t>
             </a:fld>
             <a:endParaRPr lang="en-US" dirty="0"/>
           </a:p>
@@ -2074,7 +2075,7 @@
             <a:fld id="{B61BEF0D-F0BB-DE4B-95CE-6DB70DBA9567}" type="datetimeFigureOut">
               <a:rPr lang="en-US" dirty="0"/>
               <a:pPr/>
-              <a:t>4/8/2014</a:t>
+              <a:t>4/9/2014</a:t>
             </a:fld>
             <a:endParaRPr lang="en-US" dirty="0"/>
           </a:p>
@@ -2541,7 +2542,7 @@
             <a:fld id="{B61BEF0D-F0BB-DE4B-95CE-6DB70DBA9567}" type="datetimeFigureOut">
               <a:rPr lang="en-US" dirty="0"/>
               <a:pPr/>
-              <a:t>4/8/2014</a:t>
+              <a:t>4/9/2014</a:t>
             </a:fld>
             <a:endParaRPr lang="en-US" dirty="0"/>
           </a:p>
@@ -2743,7 +2744,7 @@
             <a:fld id="{B61BEF0D-F0BB-DE4B-95CE-6DB70DBA9567}" type="datetimeFigureOut">
               <a:rPr lang="en-US" dirty="0"/>
               <a:pPr/>
-              <a:t>4/8/2014</a:t>
+              <a:t>4/9/2014</a:t>
             </a:fld>
             <a:endParaRPr lang="en-US" dirty="0"/>
           </a:p>
@@ -2951,7 +2952,7 @@
             <a:fld id="{B61BEF0D-F0BB-DE4B-95CE-6DB70DBA9567}" type="datetimeFigureOut">
               <a:rPr lang="en-US" dirty="0"/>
               <a:pPr/>
-              <a:t>4/8/2014</a:t>
+              <a:t>4/9/2014</a:t>
             </a:fld>
             <a:endParaRPr lang="en-US" dirty="0"/>
           </a:p>
@@ -3179,7 +3180,7 @@
           <a:p>
             <a:fld id="{05BFA754-D5C3-4E66-96A6-867B257F58DC}" type="datetimeFigureOut">
               <a:rPr lang="en-US" dirty="0"/>
-              <a:t>4/8/2014</a:t>
+              <a:t>4/9/2014</a:t>
             </a:fld>
             <a:endParaRPr lang="en-US" dirty="0"/>
           </a:p>
@@ -3423,7 +3424,7 @@
             <a:fld id="{B61BEF0D-F0BB-DE4B-95CE-6DB70DBA9567}" type="datetimeFigureOut">
               <a:rPr lang="en-US" dirty="0"/>
               <a:pPr/>
-              <a:t>4/8/2014</a:t>
+              <a:t>4/9/2014</a:t>
             </a:fld>
             <a:endParaRPr lang="en-US" dirty="0"/>
           </a:p>
@@ -3686,7 +3687,7 @@
           <a:p>
             <a:fld id="{05BFA754-D5C3-4E66-96A6-867B257F58DC}" type="datetimeFigureOut">
               <a:rPr lang="en-US" dirty="0"/>
-              <a:t>4/8/2014</a:t>
+              <a:t>4/9/2014</a:t>
             </a:fld>
             <a:endParaRPr lang="en-US" dirty="0"/>
           </a:p>
@@ -4095,7 +4096,7 @@
             <a:fld id="{B61BEF0D-F0BB-DE4B-95CE-6DB70DBA9567}" type="datetimeFigureOut">
               <a:rPr lang="en-US" dirty="0"/>
               <a:pPr/>
-              <a:t>4/8/2014</a:t>
+              <a:t>4/9/2014</a:t>
             </a:fld>
             <a:endParaRPr lang="en-US" dirty="0"/>
           </a:p>
@@ -4241,7 +4242,7 @@
             <a:fld id="{B61BEF0D-F0BB-DE4B-95CE-6DB70DBA9567}" type="datetimeFigureOut">
               <a:rPr lang="en-US" dirty="0"/>
               <a:pPr/>
-              <a:t>4/8/2014</a:t>
+              <a:t>4/9/2014</a:t>
             </a:fld>
             <a:endParaRPr lang="en-US" dirty="0"/>
           </a:p>
@@ -4364,7 +4365,7 @@
             <a:fld id="{B61BEF0D-F0BB-DE4B-95CE-6DB70DBA9567}" type="datetimeFigureOut">
               <a:rPr lang="en-US" dirty="0"/>
               <a:pPr/>
-              <a:t>4/8/2014</a:t>
+              <a:t>4/9/2014</a:t>
             </a:fld>
             <a:endParaRPr lang="en-US" dirty="0"/>
           </a:p>
@@ -4616,7 +4617,7 @@
             <a:fld id="{B61BEF0D-F0BB-DE4B-95CE-6DB70DBA9567}" type="datetimeFigureOut">
               <a:rPr lang="en-US" dirty="0"/>
               <a:pPr/>
-              <a:t>4/8/2014</a:t>
+              <a:t>4/9/2014</a:t>
             </a:fld>
             <a:endParaRPr lang="en-US" dirty="0"/>
           </a:p>
@@ -4928,7 +4929,7 @@
             <a:fld id="{B61BEF0D-F0BB-DE4B-95CE-6DB70DBA9567}" type="datetimeFigureOut">
               <a:rPr lang="en-US" dirty="0"/>
               <a:pPr/>
-              <a:t>4/8/2014</a:t>
+              <a:t>4/9/2014</a:t>
             </a:fld>
             <a:endParaRPr lang="en-US" dirty="0"/>
           </a:p>
@@ -5276,7 +5277,7 @@
             <a:fld id="{B61BEF0D-F0BB-DE4B-95CE-6DB70DBA9567}" type="datetimeFigureOut">
               <a:rPr lang="en-US" dirty="0"/>
               <a:pPr/>
-              <a:t>4/8/2014</a:t>
+              <a:t>4/9/2014</a:t>
             </a:fld>
             <a:endParaRPr lang="en-US" dirty="0"/>
           </a:p>
@@ -5831,18 +5832,18 @@
           <a:lstStyle/>
           <a:p>
             <a:r>
-              <a:rPr lang="en-US" altLang="zh-CN" dirty="0" err="1" smtClean="0"/>
-              <a:t>TData</a:t>
-            </a:r>
-            <a:r>
-              <a:rPr lang="en-US" altLang="zh-CN" dirty="0" smtClean="0"/>
-              <a:t> @ </a:t>
-            </a:r>
-            <a:r>
-              <a:rPr lang="en-US" altLang="zh-CN" dirty="0" err="1" smtClean="0"/>
-              <a:t>TLibC</a:t>
-            </a:r>
-            <a:endParaRPr lang="zh-CN" altLang="en-US" dirty="0"/>
+              <a:rPr lang="zh-CN" altLang="en-US" dirty="0" smtClean="0"/>
+              <a:t>数据</a:t>
+            </a:r>
+            <a:r>
+              <a:rPr lang="zh-CN" altLang="en-US" dirty="0"/>
+              <a:t>定义</a:t>
+            </a:r>
+            <a:r>
+              <a:rPr lang="zh-CN" altLang="en-US" dirty="0" smtClean="0"/>
+              <a:t>语言</a:t>
+            </a:r>
+            <a:endParaRPr lang="en-US" altLang="zh-CN" dirty="0"/>
           </a:p>
         </p:txBody>
       </p:sp>
@@ -5863,8 +5864,8 @@
           <a:p>
             <a:pPr algn="r"/>
             <a:r>
-              <a:rPr lang="zh-CN" altLang="en-US" smtClean="0"/>
-              <a:t>数据描述语言及其编译器和处理工具</a:t>
+              <a:rPr lang="zh-CN" altLang="en-US" dirty="0" smtClean="0"/>
+              <a:t>在服务器程序中的应用</a:t>
             </a:r>
             <a:endParaRPr lang="zh-CN" altLang="en-US" dirty="0"/>
           </a:p>
@@ -5923,64 +5924,237 @@
           <a:lstStyle/>
           <a:p>
             <a:r>
-              <a:rPr lang="zh-CN" altLang="en-US" dirty="0" smtClean="0"/>
+              <a:rPr lang="zh-CN" altLang="en-US" dirty="0"/>
               <a:t>实现方法</a:t>
             </a:r>
+            <a:r>
+              <a:rPr lang="en-US" altLang="zh-CN" dirty="0"/>
+              <a:t>——</a:t>
+            </a:r>
+            <a:r>
+              <a:rPr lang="zh-CN" altLang="en-US" dirty="0"/>
+              <a:t>严谨的数据描述语言 </a:t>
+            </a:r>
+          </a:p>
+        </p:txBody>
+      </p:sp>
+      <p:sp>
+        <p:nvSpPr>
+          <p:cNvPr id="3" name="内容占位符 2"/>
+          <p:cNvSpPr>
+            <a:spLocks noGrp="1"/>
+          </p:cNvSpPr>
+          <p:nvPr>
+            <p:ph idx="1"/>
+          </p:nvPr>
+        </p:nvSpPr>
+        <p:spPr/>
+        <p:txBody>
+          <a:bodyPr>
+            <a:normAutofit lnSpcReduction="10000"/>
+          </a:bodyPr>
+          <a:lstStyle/>
+          <a:p>
+            <a:r>
+              <a:rPr lang="en-US" altLang="zh-CN" dirty="0"/>
+              <a:t>[10] 'union' '</a:t>
+            </a:r>
+            <a:r>
+              <a:rPr lang="zh-CN" altLang="en-US" dirty="0"/>
+              <a:t>联合体类型名</a:t>
+            </a:r>
+            <a:r>
+              <a:rPr lang="en-US" altLang="zh-CN" dirty="0"/>
+              <a:t>_</a:t>
+            </a:r>
+            <a:r>
+              <a:rPr lang="zh-CN" altLang="en-US" dirty="0"/>
+              <a:t>标识符</a:t>
+            </a:r>
+            <a:r>
+              <a:rPr lang="en-US" altLang="zh-CN" dirty="0"/>
+              <a:t>' Parameters '{' </a:t>
+            </a:r>
+            <a:r>
+              <a:rPr lang="en-US" altLang="zh-CN" dirty="0" err="1"/>
+              <a:t>UnionFieldList</a:t>
+            </a:r>
+            <a:r>
+              <a:rPr lang="en-US" altLang="zh-CN" dirty="0"/>
+              <a:t> '}' ';'</a:t>
+            </a:r>
+          </a:p>
+          <a:p>
+            <a:r>
+              <a:rPr lang="en-US" altLang="zh-CN" dirty="0"/>
+              <a:t>[11] Parameters : '(' </a:t>
+            </a:r>
+            <a:r>
+              <a:rPr lang="en-US" altLang="zh-CN" dirty="0" err="1"/>
+              <a:t>ParameterList</a:t>
+            </a:r>
+            <a:r>
+              <a:rPr lang="en-US" altLang="zh-CN" dirty="0"/>
+              <a:t> ')'</a:t>
+            </a:r>
+          </a:p>
+          <a:p>
+            <a:r>
+              <a:rPr lang="en-US" altLang="zh-CN" dirty="0"/>
+              <a:t>[12] </a:t>
+            </a:r>
+            <a:r>
+              <a:rPr lang="en-US" altLang="zh-CN" dirty="0" err="1"/>
+              <a:t>ParameterList</a:t>
+            </a:r>
+            <a:r>
+              <a:rPr lang="en-US" altLang="zh-CN" dirty="0"/>
+              <a:t> : </a:t>
+            </a:r>
+            <a:r>
+              <a:rPr lang="en-US" altLang="zh-CN" dirty="0" err="1"/>
+              <a:t>ParameterList</a:t>
+            </a:r>
+            <a:r>
+              <a:rPr lang="en-US" altLang="zh-CN" dirty="0"/>
+              <a:t> ',' Parameter | Parameter</a:t>
+            </a:r>
+          </a:p>
+          <a:p>
+            <a:r>
+              <a:rPr lang="en-US" altLang="zh-CN" dirty="0"/>
+              <a:t>[13] Parameter : </a:t>
+            </a:r>
+            <a:r>
+              <a:rPr lang="en-US" altLang="zh-CN" dirty="0" err="1"/>
+              <a:t>SimpleType</a:t>
+            </a:r>
+            <a:r>
+              <a:rPr lang="en-US" altLang="zh-CN" dirty="0"/>
+              <a:t> </a:t>
+            </a:r>
+            <a:r>
+              <a:rPr lang="en-US" altLang="zh-CN" dirty="0" err="1"/>
+              <a:t>tok_identifier</a:t>
+            </a:r>
+            <a:endParaRPr lang="en-US" altLang="zh-CN" dirty="0"/>
+          </a:p>
+          <a:p>
+            <a:r>
+              <a:rPr lang="en-US" altLang="zh-CN" dirty="0"/>
+              <a:t>[14] </a:t>
+            </a:r>
+            <a:r>
+              <a:rPr lang="en-US" altLang="zh-CN" dirty="0" err="1"/>
+              <a:t>UnionFieldList</a:t>
+            </a:r>
+            <a:r>
+              <a:rPr lang="en-US" altLang="zh-CN" dirty="0"/>
+              <a:t> : </a:t>
+            </a:r>
+            <a:r>
+              <a:rPr lang="en-US" altLang="zh-CN" dirty="0" err="1"/>
+              <a:t>UnionFieldList</a:t>
+            </a:r>
+            <a:r>
+              <a:rPr lang="en-US" altLang="zh-CN" dirty="0"/>
+              <a:t> </a:t>
+            </a:r>
+            <a:r>
+              <a:rPr lang="en-US" altLang="zh-CN" dirty="0" err="1"/>
+              <a:t>UnionField</a:t>
+            </a:r>
+            <a:r>
+              <a:rPr lang="en-US" altLang="zh-CN" dirty="0"/>
+              <a:t> | </a:t>
+            </a:r>
+            <a:r>
+              <a:rPr lang="en-US" altLang="zh-CN" dirty="0" err="1"/>
+              <a:t>UnionField</a:t>
+            </a:r>
+            <a:endParaRPr lang="en-US" altLang="zh-CN" dirty="0"/>
+          </a:p>
+          <a:p>
+            <a:r>
+              <a:rPr lang="en-US" altLang="zh-CN" dirty="0"/>
+              <a:t>[15] </a:t>
+            </a:r>
+            <a:r>
+              <a:rPr lang="en-US" altLang="zh-CN" dirty="0" err="1"/>
+              <a:t>UnionField</a:t>
+            </a:r>
+            <a:r>
+              <a:rPr lang="en-US" altLang="zh-CN" dirty="0"/>
+              <a:t> : '</a:t>
+            </a:r>
+            <a:r>
+              <a:rPr lang="zh-CN" altLang="en-US" dirty="0"/>
+              <a:t>枚举变量名</a:t>
+            </a:r>
+            <a:r>
+              <a:rPr lang="en-US" altLang="zh-CN" dirty="0"/>
+              <a:t>_</a:t>
+            </a:r>
+            <a:r>
+              <a:rPr lang="zh-CN" altLang="en-US" dirty="0"/>
+              <a:t>标识符</a:t>
+            </a:r>
+            <a:r>
+              <a:rPr lang="en-US" altLang="zh-CN" dirty="0"/>
+              <a:t>'':' </a:t>
+            </a:r>
+            <a:r>
+              <a:rPr lang="en-US" altLang="zh-CN" dirty="0" err="1"/>
+              <a:t>SimpleType</a:t>
+            </a:r>
+            <a:r>
+              <a:rPr lang="en-US" altLang="zh-CN" dirty="0"/>
+              <a:t> '</a:t>
+            </a:r>
+            <a:r>
+              <a:rPr lang="zh-CN" altLang="en-US" dirty="0"/>
+              <a:t>联合体成员名</a:t>
+            </a:r>
+            <a:r>
+              <a:rPr lang="en-US" altLang="zh-CN" dirty="0"/>
+              <a:t>_</a:t>
+            </a:r>
+            <a:r>
+              <a:rPr lang="zh-CN" altLang="en-US" dirty="0"/>
+              <a:t>标识符</a:t>
+            </a:r>
+            <a:r>
+              <a:rPr lang="en-US" altLang="zh-CN" dirty="0"/>
+              <a:t>' ';' </a:t>
+            </a:r>
+            <a:r>
+              <a:rPr lang="en-US" altLang="zh-CN" dirty="0" err="1"/>
+              <a:t>UnixCommentOrNot</a:t>
+            </a:r>
+            <a:endParaRPr lang="en-US" altLang="zh-CN" dirty="0"/>
+          </a:p>
+          <a:p>
             <a:endParaRPr lang="zh-CN" altLang="en-US" dirty="0"/>
-          </a:p>
-        </p:txBody>
-      </p:sp>
-      <p:sp>
-        <p:nvSpPr>
-          <p:cNvPr id="3" name="内容占位符 2"/>
-          <p:cNvSpPr>
-            <a:spLocks noGrp="1"/>
-          </p:cNvSpPr>
-          <p:nvPr>
-            <p:ph idx="1"/>
-          </p:nvPr>
-        </p:nvSpPr>
-        <p:spPr/>
-        <p:txBody>
-          <a:bodyPr/>
-          <a:lstStyle/>
-          <a:p>
-            <a:r>
-              <a:rPr lang="en-US" altLang="zh-CN" dirty="0" err="1" smtClean="0"/>
-              <a:t>Tdata</a:t>
-            </a:r>
-            <a:r>
-              <a:rPr lang="zh-CN" altLang="en-US" dirty="0" smtClean="0"/>
-              <a:t>编译器使用</a:t>
-            </a:r>
-            <a:r>
-              <a:rPr lang="en-US" altLang="zh-CN" dirty="0" smtClean="0"/>
-              <a:t>re2c</a:t>
-            </a:r>
-            <a:r>
-              <a:rPr lang="zh-CN" altLang="en-US" dirty="0" smtClean="0"/>
-              <a:t>工具编写了词法分析器。</a:t>
-            </a:r>
-            <a:endParaRPr lang="en-US" altLang="zh-CN" dirty="0" smtClean="0"/>
-          </a:p>
-          <a:p>
-            <a:pPr marL="0" indent="0">
-              <a:buNone/>
-            </a:pPr>
-            <a:endParaRPr lang="en-US" altLang="zh-CN" dirty="0" smtClean="0"/>
           </a:p>
         </p:txBody>
       </p:sp>
     </p:spTree>
     <p:extLst>
       <p:ext uri="{BB962C8B-B14F-4D97-AF65-F5344CB8AC3E}">
-        <p14:creationId xmlns:p14="http://schemas.microsoft.com/office/powerpoint/2010/main" val="2027839282"/>
+        <p14:creationId xmlns:p14="http://schemas.microsoft.com/office/powerpoint/2010/main" val="1932970905"/>
       </p:ext>
     </p:extLst>
   </p:cSld>
   <p:clrMapOvr>
     <a:masterClrMapping/>
   </p:clrMapOvr>
+  <p:timing>
+    <p:tnLst>
+      <p:par>
+        <p:cTn id="1" dur="indefinite" restart="never" nodeType="tmRoot"/>
+      </p:par>
+    </p:tnLst>
+  </p:timing>
 </p:sld>
 </file>
 
@@ -6016,7 +6190,18 @@
           <a:bodyPr/>
           <a:lstStyle/>
           <a:p>
-            <a:endParaRPr lang="zh-CN" altLang="en-US"/>
+            <a:r>
+              <a:rPr lang="zh-CN" altLang="en-US" dirty="0"/>
+              <a:t>实现方法</a:t>
+            </a:r>
+            <a:r>
+              <a:rPr lang="en-US" altLang="zh-CN" dirty="0"/>
+              <a:t>——</a:t>
+            </a:r>
+            <a:r>
+              <a:rPr lang="zh-CN" altLang="en-US" dirty="0"/>
+              <a:t>严谨的数据描述语言 </a:t>
+            </a:r>
           </a:p>
         </p:txBody>
       </p:sp>
@@ -6032,28 +6217,176 @@
         </p:nvSpPr>
         <p:spPr/>
         <p:txBody>
-          <a:bodyPr/>
-          <a:lstStyle/>
-          <a:p>
+          <a:bodyPr>
+            <a:normAutofit fontScale="92500" lnSpcReduction="20000"/>
+          </a:bodyPr>
+          <a:lstStyle/>
+          <a:p>
+            <a:r>
+              <a:rPr lang="en-US" altLang="zh-CN" dirty="0"/>
+              <a:t>[16] </a:t>
+            </a:r>
             <a:r>
               <a:rPr lang="en-US" altLang="zh-CN" dirty="0" err="1"/>
-              <a:t>Tdata</a:t>
+              <a:t>Struct</a:t>
+            </a:r>
+            <a:r>
+              <a:rPr lang="en-US" altLang="zh-CN" dirty="0"/>
+              <a:t> : '</a:t>
+            </a:r>
+            <a:r>
+              <a:rPr lang="en-US" altLang="zh-CN" dirty="0" err="1"/>
+              <a:t>struct</a:t>
+            </a:r>
+            <a:r>
+              <a:rPr lang="en-US" altLang="zh-CN" dirty="0"/>
+              <a:t>' '</a:t>
             </a:r>
             <a:r>
               <a:rPr lang="zh-CN" altLang="en-US" dirty="0"/>
-              <a:t>编译器使用</a:t>
-            </a:r>
-            <a:r>
-              <a:rPr lang="en-US" altLang="zh-CN" dirty="0"/>
-              <a:t>bison</a:t>
+              <a:t>结构体名</a:t>
+            </a:r>
+            <a:r>
+              <a:rPr lang="en-US" altLang="zh-CN" dirty="0"/>
+              <a:t>_</a:t>
             </a:r>
             <a:r>
               <a:rPr lang="zh-CN" altLang="en-US" dirty="0"/>
-              <a:t>工具做语法分析。</a:t>
+              <a:t>标识符</a:t>
+            </a:r>
+            <a:r>
+              <a:rPr lang="en-US" altLang="zh-CN" dirty="0"/>
+              <a:t>' '{' </a:t>
+            </a:r>
+            <a:r>
+              <a:rPr lang="en-US" altLang="zh-CN" dirty="0" err="1"/>
+              <a:t>FieldList</a:t>
+            </a:r>
+            <a:r>
+              <a:rPr lang="en-US" altLang="zh-CN" dirty="0"/>
+              <a:t> '}' ';'</a:t>
+            </a:r>
+          </a:p>
+          <a:p>
+            <a:r>
+              <a:rPr lang="en-US" altLang="zh-CN" dirty="0"/>
+              <a:t>[17] </a:t>
+            </a:r>
+            <a:r>
+              <a:rPr lang="en-US" altLang="zh-CN" dirty="0" err="1"/>
+              <a:t>FieldList</a:t>
+            </a:r>
+            <a:r>
+              <a:rPr lang="en-US" altLang="zh-CN" dirty="0"/>
+              <a:t>: </a:t>
+            </a:r>
+            <a:r>
+              <a:rPr lang="en-US" altLang="zh-CN" dirty="0" err="1"/>
+              <a:t>FieldList</a:t>
+            </a:r>
+            <a:r>
+              <a:rPr lang="en-US" altLang="zh-CN" dirty="0"/>
+              <a:t> Field | Field</a:t>
+            </a:r>
+          </a:p>
+          <a:p>
+            <a:r>
+              <a:rPr lang="en-US" altLang="zh-CN" dirty="0"/>
+              <a:t>[18] Field : Condition Type '</a:t>
+            </a:r>
+            <a:r>
+              <a:rPr lang="zh-CN" altLang="en-US" dirty="0"/>
+              <a:t>结构体成员名</a:t>
+            </a:r>
+            <a:r>
+              <a:rPr lang="en-US" altLang="zh-CN" dirty="0"/>
+              <a:t>_</a:t>
+            </a:r>
+            <a:r>
+              <a:rPr lang="zh-CN" altLang="en-US" dirty="0"/>
+              <a:t>标识符</a:t>
+            </a:r>
+            <a:r>
+              <a:rPr lang="en-US" altLang="zh-CN" dirty="0"/>
+              <a:t>' Arguments ';' </a:t>
+            </a:r>
+            <a:r>
+              <a:rPr lang="en-US" altLang="zh-CN" dirty="0" err="1"/>
+              <a:t>UnixCommentOrNot</a:t>
             </a:r>
             <a:endParaRPr lang="en-US" altLang="zh-CN" dirty="0"/>
           </a:p>
           <a:p>
+            <a:r>
+              <a:rPr lang="en-US" altLang="zh-CN" dirty="0"/>
+              <a:t>[19] Condition : 'if' '(' '</a:t>
+            </a:r>
+            <a:r>
+              <a:rPr lang="zh-CN" altLang="en-US" dirty="0"/>
+              <a:t>结构体成员名</a:t>
+            </a:r>
+            <a:r>
+              <a:rPr lang="en-US" altLang="zh-CN" dirty="0"/>
+              <a:t>_</a:t>
+            </a:r>
+            <a:r>
+              <a:rPr lang="zh-CN" altLang="en-US" dirty="0"/>
+              <a:t>标识符</a:t>
+            </a:r>
+            <a:r>
+              <a:rPr lang="en-US" altLang="zh-CN" dirty="0"/>
+              <a:t>' '&amp;' Value ')' </a:t>
+            </a:r>
+          </a:p>
+          <a:p>
+            <a:r>
+              <a:rPr lang="en-US" altLang="zh-CN" dirty="0"/>
+              <a:t>               | 'if' '(' '</a:t>
+            </a:r>
+            <a:r>
+              <a:rPr lang="zh-CN" altLang="en-US" dirty="0"/>
+              <a:t>结构体成员名</a:t>
+            </a:r>
+            <a:r>
+              <a:rPr lang="en-US" altLang="zh-CN" dirty="0"/>
+              <a:t>_</a:t>
+            </a:r>
+            <a:r>
+              <a:rPr lang="zh-CN" altLang="en-US" dirty="0"/>
+              <a:t>标识符</a:t>
+            </a:r>
+            <a:r>
+              <a:rPr lang="en-US" altLang="zh-CN" dirty="0"/>
+              <a:t>' '==' Value ')'</a:t>
+            </a:r>
+          </a:p>
+          <a:p>
+            <a:r>
+              <a:rPr lang="en-US" altLang="zh-CN" dirty="0"/>
+              <a:t>               | 'if' '(' '</a:t>
+            </a:r>
+            <a:r>
+              <a:rPr lang="zh-CN" altLang="en-US" dirty="0"/>
+              <a:t>结构体成员名</a:t>
+            </a:r>
+            <a:r>
+              <a:rPr lang="en-US" altLang="zh-CN" dirty="0"/>
+              <a:t>_</a:t>
+            </a:r>
+            <a:r>
+              <a:rPr lang="zh-CN" altLang="en-US" dirty="0"/>
+              <a:t>标识符</a:t>
+            </a:r>
+            <a:r>
+              <a:rPr lang="en-US" altLang="zh-CN" dirty="0"/>
+              <a:t>' '!=' Value ')'</a:t>
+            </a:r>
+          </a:p>
+          <a:p>
+            <a:r>
+              <a:rPr lang="en-US" altLang="zh-CN" dirty="0"/>
+              <a:t>               | {}</a:t>
+            </a:r>
             <a:endParaRPr lang="zh-CN" altLang="en-US" dirty="0"/>
           </a:p>
         </p:txBody>
@@ -6061,13 +6394,20 @@
     </p:spTree>
     <p:extLst>
       <p:ext uri="{BB962C8B-B14F-4D97-AF65-F5344CB8AC3E}">
-        <p14:creationId xmlns:p14="http://schemas.microsoft.com/office/powerpoint/2010/main" val="3740077689"/>
+        <p14:creationId xmlns:p14="http://schemas.microsoft.com/office/powerpoint/2010/main" val="3270372331"/>
       </p:ext>
     </p:extLst>
   </p:cSld>
   <p:clrMapOvr>
     <a:masterClrMapping/>
   </p:clrMapOvr>
+  <p:timing>
+    <p:tnLst>
+      <p:par>
+        <p:cTn id="1" dur="indefinite" restart="never" nodeType="tmRoot"/>
+      </p:par>
+    </p:tnLst>
+  </p:timing>
 </p:sld>
 </file>
 
@@ -6103,7 +6443,18 @@
           <a:bodyPr/>
           <a:lstStyle/>
           <a:p>
-            <a:endParaRPr lang="zh-CN" altLang="en-US"/>
+            <a:r>
+              <a:rPr lang="zh-CN" altLang="en-US" dirty="0"/>
+              <a:t>实现方法</a:t>
+            </a:r>
+            <a:r>
+              <a:rPr lang="en-US" altLang="zh-CN" dirty="0"/>
+              <a:t>——</a:t>
+            </a:r>
+            <a:r>
+              <a:rPr lang="zh-CN" altLang="en-US" dirty="0"/>
+              <a:t>严谨的数据描述语言 </a:t>
+            </a:r>
           </a:p>
         </p:txBody>
       </p:sp>
@@ -6119,44 +6470,153 @@
         </p:nvSpPr>
         <p:spPr/>
         <p:txBody>
-          <a:bodyPr/>
-          <a:lstStyle/>
-          <a:p>
+          <a:bodyPr>
+            <a:normAutofit lnSpcReduction="10000"/>
+          </a:bodyPr>
+          <a:lstStyle/>
+          <a:p>
+            <a:r>
+              <a:rPr lang="en-US" altLang="zh-CN" dirty="0"/>
+              <a:t>[20] Type : </a:t>
+            </a:r>
             <a:r>
               <a:rPr lang="en-US" altLang="zh-CN" dirty="0" err="1"/>
-              <a:t>Tdata</a:t>
+              <a:t>SimpleType</a:t>
+            </a:r>
+            <a:r>
+              <a:rPr lang="en-US" altLang="zh-CN" dirty="0"/>
+              <a:t> | </a:t>
+            </a:r>
+            <a:r>
+              <a:rPr lang="en-US" altLang="zh-CN" dirty="0" err="1"/>
+              <a:t>ContainerType</a:t>
+            </a:r>
+            <a:endParaRPr lang="en-US" altLang="zh-CN" dirty="0"/>
+          </a:p>
+          <a:p>
+            <a:r>
+              <a:rPr lang="en-US" altLang="zh-CN" dirty="0"/>
+              <a:t>[21] </a:t>
+            </a:r>
+            <a:r>
+              <a:rPr lang="en-US" altLang="zh-CN" dirty="0" err="1"/>
+              <a:t>SimpleType</a:t>
+            </a:r>
+            <a:r>
+              <a:rPr lang="en-US" altLang="zh-CN" dirty="0"/>
+              <a:t> : 'string' | 'string' '&lt;' '</a:t>
             </a:r>
             <a:r>
               <a:rPr lang="zh-CN" altLang="en-US" dirty="0"/>
-              <a:t>是的代码生成器</a:t>
-            </a:r>
-          </a:p>
-          <a:p>
-            <a:pPr marL="0" indent="0">
-              <a:buNone/>
-            </a:pPr>
+              <a:t>字符串最大长度常量</a:t>
+            </a:r>
+            <a:r>
+              <a:rPr lang="en-US" altLang="zh-CN" dirty="0"/>
+              <a:t>_</a:t>
+            </a:r>
+            <a:r>
+              <a:rPr lang="zh-CN" altLang="en-US" dirty="0"/>
+              <a:t>标识符</a:t>
+            </a:r>
+            <a:r>
+              <a:rPr lang="en-US" altLang="zh-CN" dirty="0"/>
+              <a:t>' '&gt;'</a:t>
+            </a:r>
+          </a:p>
+          <a:p>
+            <a:r>
+              <a:rPr lang="en-US" altLang="zh-CN" dirty="0"/>
+              <a:t>                | 'char' | 'double'</a:t>
+            </a:r>
+          </a:p>
+          <a:p>
+            <a:r>
+              <a:rPr lang="en-US" altLang="zh-CN" dirty="0"/>
+              <a:t>                | '</a:t>
+            </a:r>
+            <a:r>
+              <a:rPr lang="zh-CN" altLang="en-US" dirty="0"/>
+              <a:t>标识符</a:t>
+            </a:r>
+            <a:r>
+              <a:rPr lang="en-US" altLang="zh-CN" dirty="0"/>
+              <a:t>'</a:t>
+            </a:r>
+          </a:p>
+          <a:p>
+            <a:r>
+              <a:rPr lang="en-US" altLang="zh-CN" dirty="0"/>
+              <a:t>                | 'int8' | 'int16' | 'int32' | 'int64'</a:t>
+            </a:r>
+          </a:p>
+          <a:p>
+            <a:r>
+              <a:rPr lang="en-US" altLang="zh-CN" dirty="0"/>
+              <a:t>                | 'uint8' | 'uint16' | 'uint32' | 'uint64'</a:t>
+            </a:r>
+          </a:p>
+          <a:p>
+            <a:r>
+              <a:rPr lang="en-US" altLang="zh-CN" dirty="0"/>
+              <a:t>[22] </a:t>
+            </a:r>
+            <a:r>
+              <a:rPr lang="en-US" altLang="zh-CN" dirty="0" err="1"/>
+              <a:t>ContainerType</a:t>
+            </a:r>
+            <a:r>
+              <a:rPr lang="en-US" altLang="zh-CN" dirty="0"/>
+              <a:t>: 'vector' '&lt;' </a:t>
+            </a:r>
+            <a:r>
+              <a:rPr lang="en-US" altLang="zh-CN" dirty="0" err="1"/>
+              <a:t>SimpleType</a:t>
+            </a:r>
+            <a:r>
+              <a:rPr lang="en-US" altLang="zh-CN" dirty="0"/>
+              <a:t> ',' '</a:t>
+            </a:r>
+            <a:r>
+              <a:rPr lang="zh-CN" altLang="en-US" dirty="0"/>
+              <a:t>数组最大长度</a:t>
+            </a:r>
+            <a:r>
+              <a:rPr lang="en-US" altLang="zh-CN" dirty="0"/>
+              <a:t>_</a:t>
+            </a:r>
+            <a:r>
+              <a:rPr lang="zh-CN" altLang="en-US" dirty="0"/>
+              <a:t>标识符</a:t>
+            </a:r>
+            <a:r>
+              <a:rPr lang="en-US" altLang="zh-CN" dirty="0"/>
+              <a:t>' </a:t>
+            </a:r>
             <a:r>
               <a:rPr lang="en-US" altLang="zh-CN" dirty="0" smtClean="0"/>
-              <a:t>    </a:t>
-            </a:r>
-            <a:r>
-              <a:rPr lang="zh-CN" altLang="en-US" dirty="0" smtClean="0"/>
-              <a:t>具有简洁的接口， 方便扩展生成代码部分。</a:t>
-            </a:r>
-            <a:endParaRPr lang="zh-CN" altLang="en-US" dirty="0"/>
+              <a:t>'&gt;'</a:t>
+            </a:r>
+            <a:endParaRPr lang="en-US" altLang="zh-CN" dirty="0"/>
           </a:p>
         </p:txBody>
       </p:sp>
     </p:spTree>
     <p:extLst>
       <p:ext uri="{BB962C8B-B14F-4D97-AF65-F5344CB8AC3E}">
-        <p14:creationId xmlns:p14="http://schemas.microsoft.com/office/powerpoint/2010/main" val="3568818213"/>
+        <p14:creationId xmlns:p14="http://schemas.microsoft.com/office/powerpoint/2010/main" val="3444306164"/>
       </p:ext>
     </p:extLst>
   </p:cSld>
   <p:clrMapOvr>
     <a:masterClrMapping/>
   </p:clrMapOvr>
+  <p:timing>
+    <p:tnLst>
+      <p:par>
+        <p:cTn id="1" dur="indefinite" restart="never" nodeType="tmRoot"/>
+      </p:par>
+    </p:tnLst>
+  </p:timing>
 </p:sld>
 </file>
 
@@ -6192,7 +6652,18 @@
           <a:bodyPr/>
           <a:lstStyle/>
           <a:p>
-            <a:endParaRPr lang="zh-CN" altLang="en-US"/>
+            <a:r>
+              <a:rPr lang="zh-CN" altLang="en-US" dirty="0"/>
+              <a:t>实现方法</a:t>
+            </a:r>
+            <a:r>
+              <a:rPr lang="en-US" altLang="zh-CN" dirty="0"/>
+              <a:t>——</a:t>
+            </a:r>
+            <a:r>
+              <a:rPr lang="zh-CN" altLang="en-US" dirty="0"/>
+              <a:t>严谨的数据描述语言 </a:t>
+            </a:r>
           </a:p>
         </p:txBody>
       </p:sp>
@@ -6212,20 +6683,176 @@
           <a:lstStyle/>
           <a:p>
             <a:r>
-              <a:rPr lang="en-US" altLang="zh-CN" dirty="0" err="1" smtClean="0"/>
-              <a:t>TLibC</a:t>
-            </a:r>
-            <a:r>
-              <a:rPr lang="zh-CN" altLang="en-US" dirty="0" smtClean="0"/>
-              <a:t>读取</a:t>
-            </a:r>
-            <a:r>
-              <a:rPr lang="en-US" altLang="zh-CN" dirty="0" err="1" smtClean="0"/>
-              <a:t>xlsx</a:t>
-            </a:r>
-            <a:r>
-              <a:rPr lang="zh-CN" altLang="en-US" dirty="0" smtClean="0"/>
-              <a:t>的方法。</a:t>
+              <a:rPr lang="en-US" altLang="zh-CN" dirty="0"/>
+              <a:t>[23] Arguments : '(' </a:t>
+            </a:r>
+            <a:r>
+              <a:rPr lang="en-US" altLang="zh-CN" dirty="0" err="1"/>
+              <a:t>ArgumentList</a:t>
+            </a:r>
+            <a:r>
+              <a:rPr lang="en-US" altLang="zh-CN" dirty="0"/>
+              <a:t> ')'</a:t>
+            </a:r>
+          </a:p>
+          <a:p>
+            <a:r>
+              <a:rPr lang="en-US" altLang="zh-CN" dirty="0"/>
+              <a:t>[24] </a:t>
+            </a:r>
+            <a:r>
+              <a:rPr lang="en-US" altLang="zh-CN" dirty="0" err="1"/>
+              <a:t>ArgumentList</a:t>
+            </a:r>
+            <a:r>
+              <a:rPr lang="en-US" altLang="zh-CN" dirty="0"/>
+              <a:t> : </a:t>
+            </a:r>
+            <a:r>
+              <a:rPr lang="en-US" altLang="zh-CN" dirty="0" err="1"/>
+              <a:t>ArgumentList</a:t>
+            </a:r>
+            <a:r>
+              <a:rPr lang="en-US" altLang="zh-CN" dirty="0"/>
+              <a:t> ',' '</a:t>
+            </a:r>
+            <a:r>
+              <a:rPr lang="zh-CN" altLang="en-US" dirty="0"/>
+              <a:t>参数名</a:t>
+            </a:r>
+            <a:r>
+              <a:rPr lang="en-US" altLang="zh-CN" dirty="0"/>
+              <a:t>_</a:t>
+            </a:r>
+            <a:r>
+              <a:rPr lang="zh-CN" altLang="en-US" dirty="0"/>
+              <a:t>标识符</a:t>
+            </a:r>
+            <a:r>
+              <a:rPr lang="en-US" altLang="zh-CN" dirty="0"/>
+              <a:t>' | '</a:t>
+            </a:r>
+            <a:r>
+              <a:rPr lang="zh-CN" altLang="en-US" dirty="0"/>
+              <a:t>参数名</a:t>
+            </a:r>
+            <a:r>
+              <a:rPr lang="en-US" altLang="zh-CN" dirty="0"/>
+              <a:t>_</a:t>
+            </a:r>
+            <a:r>
+              <a:rPr lang="zh-CN" altLang="en-US" dirty="0"/>
+              <a:t>标识符</a:t>
+            </a:r>
+            <a:r>
+              <a:rPr lang="en-US" altLang="zh-CN" dirty="0"/>
+              <a:t>'</a:t>
+            </a:r>
+          </a:p>
+          <a:p>
+            <a:r>
+              <a:rPr lang="en-US" altLang="zh-CN" dirty="0"/>
+              <a:t>[25] Value : '</a:t>
+            </a:r>
+            <a:r>
+              <a:rPr lang="zh-CN" altLang="en-US" dirty="0"/>
+              <a:t>整数</a:t>
+            </a:r>
+            <a:r>
+              <a:rPr lang="en-US" altLang="zh-CN" dirty="0"/>
+              <a:t>' | '</a:t>
+            </a:r>
+            <a:r>
+              <a:rPr lang="zh-CN" altLang="en-US" dirty="0"/>
+              <a:t>实数</a:t>
+            </a:r>
+            <a:r>
+              <a:rPr lang="en-US" altLang="zh-CN" dirty="0"/>
+              <a:t>' | '</a:t>
+            </a:r>
+            <a:r>
+              <a:rPr lang="zh-CN" altLang="en-US" dirty="0"/>
+              <a:t>字符串</a:t>
+            </a:r>
+            <a:r>
+              <a:rPr lang="en-US" altLang="zh-CN" dirty="0"/>
+              <a:t>' | '</a:t>
+            </a:r>
+            <a:r>
+              <a:rPr lang="zh-CN" altLang="en-US" dirty="0"/>
+              <a:t>字符</a:t>
+            </a:r>
+            <a:r>
+              <a:rPr lang="en-US" altLang="zh-CN" dirty="0"/>
+              <a:t>' | '</a:t>
+            </a:r>
+            <a:r>
+              <a:rPr lang="zh-CN" altLang="en-US" dirty="0"/>
+              <a:t>标识符</a:t>
+            </a:r>
+            <a:r>
+              <a:rPr lang="en-US" altLang="zh-CN" dirty="0"/>
+              <a:t>' | count '(' '</a:t>
+            </a:r>
+            <a:r>
+              <a:rPr lang="zh-CN" altLang="en-US" dirty="0"/>
+              <a:t>标识符</a:t>
+            </a:r>
+            <a:r>
+              <a:rPr lang="en-US" altLang="zh-CN" dirty="0"/>
+              <a:t>' ')'</a:t>
+            </a:r>
+          </a:p>
+          <a:p>
+            <a:r>
+              <a:rPr lang="en-US" altLang="zh-CN" dirty="0"/>
+              <a:t>[26] </a:t>
+            </a:r>
+            <a:r>
+              <a:rPr lang="en-US" altLang="zh-CN" dirty="0" err="1"/>
+              <a:t>UnixComment</a:t>
+            </a:r>
+            <a:r>
+              <a:rPr lang="en-US" altLang="zh-CN" dirty="0"/>
+              <a:t> </a:t>
+            </a:r>
+            <a:r>
+              <a:rPr lang="zh-CN" altLang="en-US" dirty="0"/>
+              <a:t>： </a:t>
+            </a:r>
+            <a:r>
+              <a:rPr lang="en-US" altLang="zh-CN" dirty="0"/>
+              <a:t>'</a:t>
+            </a:r>
+            <a:r>
+              <a:rPr lang="zh-CN" altLang="en-US" dirty="0"/>
+              <a:t>注释</a:t>
+            </a:r>
+            <a:r>
+              <a:rPr lang="en-US" altLang="zh-CN" dirty="0"/>
+              <a:t>'</a:t>
+            </a:r>
+          </a:p>
+          <a:p>
+            <a:r>
+              <a:rPr lang="en-US" altLang="zh-CN" dirty="0"/>
+              <a:t>[27] </a:t>
+            </a:r>
+            <a:r>
+              <a:rPr lang="en-US" altLang="zh-CN" dirty="0" err="1"/>
+              <a:t>UnixCommentOrNot</a:t>
+            </a:r>
+            <a:r>
+              <a:rPr lang="en-US" altLang="zh-CN" dirty="0"/>
+              <a:t> : '</a:t>
+            </a:r>
+            <a:r>
+              <a:rPr lang="zh-CN" altLang="en-US" dirty="0"/>
+              <a:t>注释</a:t>
+            </a:r>
+            <a:r>
+              <a:rPr lang="en-US" altLang="zh-CN" dirty="0"/>
+              <a:t>' | {}</a:t>
             </a:r>
             <a:endParaRPr lang="zh-CN" altLang="en-US" dirty="0"/>
           </a:p>
@@ -6234,7 +6861,7 @@
     </p:spTree>
     <p:extLst>
       <p:ext uri="{BB962C8B-B14F-4D97-AF65-F5344CB8AC3E}">
-        <p14:creationId xmlns:p14="http://schemas.microsoft.com/office/powerpoint/2010/main" val="3695192611"/>
+        <p14:creationId xmlns:p14="http://schemas.microsoft.com/office/powerpoint/2010/main" val="1012870622"/>
       </p:ext>
     </p:extLst>
   </p:cSld>
@@ -6273,10 +6900,23 @@
         </p:nvSpPr>
         <p:spPr/>
         <p:txBody>
-          <a:bodyPr/>
-          <a:lstStyle/>
-          <a:p>
-            <a:endParaRPr lang="zh-CN" altLang="en-US"/>
+          <a:bodyPr>
+            <a:normAutofit/>
+          </a:bodyPr>
+          <a:lstStyle/>
+          <a:p>
+            <a:r>
+              <a:rPr lang="zh-CN" altLang="en-US" dirty="0"/>
+              <a:t>实现方法</a:t>
+            </a:r>
+            <a:r>
+              <a:rPr lang="en-US" altLang="zh-CN" dirty="0" smtClean="0"/>
+              <a:t>——</a:t>
+            </a:r>
+            <a:r>
+              <a:rPr lang="zh-CN" altLang="en-US" dirty="0"/>
+              <a:t>严谨的数据描述语言 </a:t>
+            </a:r>
           </a:p>
         </p:txBody>
       </p:sp>
@@ -6292,28 +6932,71 @@
         </p:nvSpPr>
         <p:spPr/>
         <p:txBody>
-          <a:bodyPr/>
-          <a:lstStyle/>
-          <a:p>
-            <a:r>
-              <a:rPr lang="en-US" altLang="zh-CN" dirty="0" err="1" smtClean="0"/>
-              <a:t>TLibC</a:t>
-            </a:r>
-            <a:r>
-              <a:rPr lang="zh-CN" altLang="en-US" dirty="0" smtClean="0"/>
-              <a:t>读取</a:t>
-            </a:r>
-            <a:r>
-              <a:rPr lang="en-US" altLang="zh-CN" dirty="0" smtClean="0"/>
-              <a:t>xml</a:t>
-            </a:r>
-            <a:r>
-              <a:rPr lang="zh-CN" altLang="en-US" dirty="0" smtClean="0"/>
-              <a:t>同样采用了</a:t>
-            </a:r>
-            <a:r>
-              <a:rPr lang="en-US" altLang="zh-CN" dirty="0" smtClean="0"/>
-              <a:t>re2c</a:t>
+          <a:bodyPr>
+            <a:normAutofit fontScale="77500" lnSpcReduction="20000"/>
+          </a:bodyPr>
+          <a:lstStyle/>
+          <a:p>
+            <a:r>
+              <a:rPr lang="en-US" altLang="zh-CN" dirty="0"/>
+              <a:t>import "common/common.td"</a:t>
+            </a:r>
+          </a:p>
+          <a:p>
+            <a:endParaRPr lang="en-US" altLang="zh-CN" dirty="0"/>
+          </a:p>
+          <a:p>
+            <a:r>
+              <a:rPr lang="en-US" altLang="zh-CN" dirty="0" err="1"/>
+              <a:t>struct</a:t>
+            </a:r>
+            <a:r>
+              <a:rPr lang="en-US" altLang="zh-CN" dirty="0"/>
+              <a:t> user</a:t>
+            </a:r>
+          </a:p>
+          <a:p>
+            <a:r>
+              <a:rPr lang="en-US" altLang="zh-CN" dirty="0"/>
+              <a:t>{</a:t>
+            </a:r>
+          </a:p>
+          <a:p>
+            <a:r>
+              <a:rPr lang="en-US" altLang="zh-CN" dirty="0"/>
+              <a:t>	int32 id;</a:t>
+            </a:r>
+          </a:p>
+          <a:p>
+            <a:r>
+              <a:rPr lang="en-US" altLang="zh-CN" dirty="0"/>
+              <a:t>	string&lt;MAX_NAME_LENGTH&gt; username;</a:t>
+            </a:r>
+          </a:p>
+          <a:p>
+            <a:r>
+              <a:rPr lang="en-US" altLang="zh-CN" dirty="0"/>
+              <a:t>	double </a:t>
+            </a:r>
+            <a:r>
+              <a:rPr lang="en-US" altLang="zh-CN" dirty="0" err="1"/>
+              <a:t>exp</a:t>
+            </a:r>
+            <a:r>
+              <a:rPr lang="en-US" altLang="zh-CN" dirty="0"/>
+              <a:t>;</a:t>
+            </a:r>
+          </a:p>
+          <a:p>
+            <a:r>
+              <a:rPr lang="en-US" altLang="zh-CN" dirty="0"/>
+              <a:t>	uint64	gold;</a:t>
+            </a:r>
+          </a:p>
+          <a:p>
+            <a:r>
+              <a:rPr lang="en-US" altLang="zh-CN" dirty="0"/>
+              <a:t>};</a:t>
             </a:r>
             <a:endParaRPr lang="zh-CN" altLang="en-US" dirty="0"/>
           </a:p>
@@ -6322,7 +7005,143 @@
     </p:spTree>
     <p:extLst>
       <p:ext uri="{BB962C8B-B14F-4D97-AF65-F5344CB8AC3E}">
-        <p14:creationId xmlns:p14="http://schemas.microsoft.com/office/powerpoint/2010/main" val="2963176833"/>
+        <p14:creationId xmlns:p14="http://schemas.microsoft.com/office/powerpoint/2010/main" val="2581162676"/>
+      </p:ext>
+    </p:extLst>
+  </p:cSld>
+  <p:clrMapOvr>
+    <a:masterClrMapping/>
+  </p:clrMapOvr>
+</p:sld>
+</file>
+
+<file path=ppt/slides/slide15.xml><?xml version="1.0" encoding="utf-8"?>
+<p:sld xmlns:a="http://schemas.openxmlformats.org/drawingml/2006/main" xmlns:r="http://schemas.openxmlformats.org/officeDocument/2006/relationships" xmlns:p="http://schemas.openxmlformats.org/presentationml/2006/main">
+  <p:cSld>
+    <p:spTree>
+      <p:nvGrpSpPr>
+        <p:cNvPr id="1" name=""/>
+        <p:cNvGrpSpPr/>
+        <p:nvPr/>
+      </p:nvGrpSpPr>
+      <p:grpSpPr>
+        <a:xfrm>
+          <a:off x="0" y="0"/>
+          <a:ext cx="0" cy="0"/>
+          <a:chOff x="0" y="0"/>
+          <a:chExt cx="0" cy="0"/>
+        </a:xfrm>
+      </p:grpSpPr>
+      <p:sp>
+        <p:nvSpPr>
+          <p:cNvPr id="2" name="标题 1"/>
+          <p:cNvSpPr>
+            <a:spLocks noGrp="1"/>
+          </p:cNvSpPr>
+          <p:nvPr>
+            <p:ph type="title"/>
+          </p:nvPr>
+        </p:nvSpPr>
+        <p:spPr/>
+        <p:txBody>
+          <a:bodyPr>
+            <a:normAutofit/>
+          </a:bodyPr>
+          <a:lstStyle/>
+          <a:p>
+            <a:pPr algn="l"/>
+            <a:r>
+              <a:rPr lang="zh-CN" altLang="en-US" dirty="0"/>
+              <a:t>实现方法</a:t>
+            </a:r>
+            <a:r>
+              <a:rPr lang="en-US" altLang="zh-CN" dirty="0" smtClean="0"/>
+              <a:t>——</a:t>
+            </a:r>
+            <a:r>
+              <a:rPr lang="zh-CN" altLang="en-US" dirty="0"/>
+              <a:t>高可移植性的</a:t>
+            </a:r>
+            <a:r>
+              <a:rPr lang="zh-CN" altLang="en-US" dirty="0" smtClean="0"/>
+              <a:t>编译器</a:t>
+            </a:r>
+            <a:endParaRPr lang="zh-CN" altLang="en-US" dirty="0"/>
+          </a:p>
+        </p:txBody>
+      </p:sp>
+      <p:sp>
+        <p:nvSpPr>
+          <p:cNvPr id="3" name="内容占位符 2"/>
+          <p:cNvSpPr>
+            <a:spLocks noGrp="1"/>
+          </p:cNvSpPr>
+          <p:nvPr>
+            <p:ph idx="1"/>
+          </p:nvPr>
+        </p:nvSpPr>
+        <p:spPr/>
+        <p:txBody>
+          <a:bodyPr/>
+          <a:lstStyle/>
+          <a:p>
+            <a:r>
+              <a:rPr lang="zh-CN" altLang="en-US" dirty="0" smtClean="0"/>
+              <a:t>使用</a:t>
+            </a:r>
+            <a:r>
+              <a:rPr lang="en-US" altLang="zh-CN" dirty="0" smtClean="0"/>
+              <a:t>C</a:t>
+            </a:r>
+            <a:r>
+              <a:rPr lang="zh-CN" altLang="en-US" dirty="0" smtClean="0"/>
+              <a:t>语言编写</a:t>
+            </a:r>
+            <a:endParaRPr lang="en-US" altLang="zh-CN" dirty="0" smtClean="0"/>
+          </a:p>
+          <a:p>
+            <a:r>
+              <a:rPr lang="en-US" altLang="zh-CN" dirty="0" smtClean="0"/>
+              <a:t>Re2c</a:t>
+            </a:r>
+            <a:r>
+              <a:rPr lang="zh-CN" altLang="en-US" dirty="0" smtClean="0"/>
+              <a:t>词法分析</a:t>
+            </a:r>
+            <a:endParaRPr lang="en-US" altLang="zh-CN" dirty="0" smtClean="0"/>
+          </a:p>
+          <a:p>
+            <a:r>
+              <a:rPr lang="en-US" altLang="zh-CN" dirty="0" smtClean="0"/>
+              <a:t>Bison</a:t>
+            </a:r>
+            <a:r>
+              <a:rPr lang="zh-CN" altLang="en-US" dirty="0" smtClean="0"/>
+              <a:t>语法分析</a:t>
+            </a:r>
+            <a:endParaRPr lang="en-US" altLang="zh-CN" dirty="0" smtClean="0"/>
+          </a:p>
+          <a:p>
+            <a:r>
+              <a:rPr lang="zh-CN" altLang="en-US" dirty="0" smtClean="0"/>
+              <a:t>生成代码部分可以通过继承</a:t>
+            </a:r>
+            <a:r>
+              <a:rPr lang="en-US" altLang="zh-CN" dirty="0" err="1" smtClean="0"/>
+              <a:t>generator_t</a:t>
+            </a:r>
+            <a:r>
+              <a:rPr lang="zh-CN" altLang="en-US" smtClean="0"/>
+              <a:t>来简单的扩展。</a:t>
+            </a:r>
+            <a:endParaRPr lang="zh-CN" altLang="en-US" dirty="0"/>
+          </a:p>
+        </p:txBody>
+      </p:sp>
+    </p:spTree>
+    <p:extLst>
+      <p:ext uri="{BB962C8B-B14F-4D97-AF65-F5344CB8AC3E}">
+        <p14:creationId xmlns:p14="http://schemas.microsoft.com/office/powerpoint/2010/main" val="2411883993"/>
       </p:ext>
     </p:extLst>
   </p:cSld>
@@ -6385,19 +7204,7 @@
           <a:p>
             <a:r>
               <a:rPr lang="zh-CN" altLang="en-US" dirty="0" smtClean="0"/>
-              <a:t>为什么需要</a:t>
-            </a:r>
-            <a:r>
-              <a:rPr lang="en-US" altLang="zh-CN" dirty="0" err="1" smtClean="0"/>
-              <a:t>TData</a:t>
-            </a:r>
-            <a:r>
-              <a:rPr lang="en-US" altLang="zh-CN" dirty="0" smtClean="0"/>
-              <a:t> @ </a:t>
-            </a:r>
-            <a:r>
-              <a:rPr lang="en-US" altLang="zh-CN" dirty="0" err="1" smtClean="0"/>
-              <a:t>TLibC</a:t>
+              <a:t>需求背景</a:t>
             </a:r>
             <a:endParaRPr lang="en-US" altLang="zh-CN" dirty="0" smtClean="0"/>
           </a:p>
@@ -6410,23 +7217,15 @@
           </a:p>
           <a:p>
             <a:r>
-              <a:rPr lang="zh-CN" altLang="en-US" dirty="0"/>
-              <a:t>实现</a:t>
-            </a:r>
-            <a:r>
               <a:rPr lang="zh-CN" altLang="en-US" dirty="0" smtClean="0"/>
-              <a:t>方法</a:t>
+              <a:t>实现方法</a:t>
             </a:r>
             <a:endParaRPr lang="en-US" altLang="zh-CN" dirty="0" smtClean="0"/>
           </a:p>
           <a:p>
             <a:r>
-              <a:rPr lang="zh-CN" altLang="en-US" dirty="0"/>
-              <a:t>使用</a:t>
-            </a:r>
-            <a:r>
               <a:rPr lang="zh-CN" altLang="en-US" dirty="0" smtClean="0"/>
-              <a:t>方法</a:t>
+              <a:t>使用方法</a:t>
             </a:r>
             <a:endParaRPr lang="en-US" altLang="zh-CN" dirty="0" smtClean="0"/>
           </a:p>
@@ -6493,18 +7292,10 @@
           <a:p>
             <a:pPr algn="l"/>
             <a:r>
-              <a:rPr lang="zh-CN" altLang="en-US" dirty="0" smtClean="0"/>
-              <a:t>为什么需要</a:t>
-            </a:r>
-            <a:r>
-              <a:rPr lang="en-US" altLang="zh-CN" dirty="0" err="1" smtClean="0"/>
-              <a:t>TData</a:t>
-            </a:r>
-            <a:r>
-              <a:rPr lang="en-US" altLang="zh-CN" dirty="0" smtClean="0"/>
-              <a:t>?</a:t>
-            </a:r>
-            <a:endParaRPr lang="zh-CN" altLang="en-US" dirty="0"/>
+              <a:rPr lang="zh-CN" altLang="en-US" dirty="0"/>
+              <a:t>需求背景</a:t>
+            </a:r>
+            <a:endParaRPr lang="en-US" altLang="zh-CN" dirty="0"/>
           </a:p>
         </p:txBody>
       </p:sp>
@@ -6520,7 +7311,9 @@
         </p:nvSpPr>
         <p:spPr/>
         <p:txBody>
-          <a:bodyPr/>
+          <a:bodyPr>
+            <a:normAutofit fontScale="85000" lnSpcReduction="10000"/>
+          </a:bodyPr>
           <a:lstStyle/>
           <a:p>
             <a:r>
@@ -6541,15 +7334,17 @@
             <a:pPr marL="0" indent="0">
               <a:buNone/>
             </a:pPr>
-            <a:endParaRPr lang="en-US" altLang="zh-CN" dirty="0" smtClean="0"/>
-          </a:p>
-          <a:p>
-            <a:pPr marL="0" indent="0">
-              <a:buNone/>
-            </a:pPr>
             <a:r>
               <a:rPr lang="zh-CN" altLang="en-US" dirty="0" smtClean="0"/>
-              <a:t>起初对于读取资源这样一个简单的问题， 我们并没有在意， 只做了一个解析</a:t>
+              <a:t>项目</a:t>
+            </a:r>
+            <a:r>
+              <a:rPr lang="zh-CN" altLang="en-US" dirty="0"/>
+              <a:t>一</a:t>
+            </a:r>
+            <a:r>
+              <a:rPr lang="zh-CN" altLang="en-US" dirty="0" smtClean="0"/>
+              <a:t>开始的时候， 我们只编写了一个</a:t>
             </a:r>
             <a:r>
               <a:rPr lang="en-US" altLang="zh-CN" dirty="0" err="1" smtClean="0"/>
@@ -6557,7 +7352,135 @@
             </a:r>
             <a:r>
               <a:rPr lang="zh-CN" altLang="en-US" dirty="0" smtClean="0"/>
-              <a:t>文件的库就算完成任务了。</a:t>
+              <a:t>或者</a:t>
+            </a:r>
+            <a:r>
+              <a:rPr lang="en-US" altLang="zh-CN" dirty="0" smtClean="0"/>
+              <a:t>csv</a:t>
+            </a:r>
+            <a:r>
+              <a:rPr lang="zh-CN" altLang="en-US" dirty="0" smtClean="0"/>
+              <a:t>的解析工具， 来完成这项任务。</a:t>
+            </a:r>
+            <a:endParaRPr lang="en-US" altLang="zh-CN" dirty="0" smtClean="0"/>
+          </a:p>
+          <a:p>
+            <a:pPr marL="0" indent="0">
+              <a:buNone/>
+            </a:pPr>
+            <a:r>
+              <a:rPr lang="zh-CN" altLang="en-US" dirty="0" smtClean="0"/>
+              <a:t>为了读取</a:t>
+            </a:r>
+            <a:r>
+              <a:rPr lang="en-US" altLang="zh-CN" dirty="0" smtClean="0"/>
+              <a:t>item.slk</a:t>
+            </a:r>
+            <a:r>
+              <a:rPr lang="zh-CN" altLang="en-US" dirty="0" smtClean="0"/>
+              <a:t>首先定义了一个类， 并用如下代码从文件中读取这些对象：</a:t>
+            </a:r>
+            <a:endParaRPr lang="en-US" altLang="zh-CN" dirty="0" smtClean="0"/>
+          </a:p>
+          <a:p>
+            <a:pPr marL="0" indent="0">
+              <a:buNone/>
+            </a:pPr>
+            <a:r>
+              <a:rPr lang="en-US" altLang="zh-CN" dirty="0" smtClean="0"/>
+              <a:t>If(</a:t>
+            </a:r>
+            <a:r>
+              <a:rPr lang="en-US" altLang="zh-CN" dirty="0" err="1" smtClean="0"/>
+              <a:t>slkItem.GetIntFieldByName</a:t>
+            </a:r>
+            <a:r>
+              <a:rPr lang="en-US" altLang="zh-CN" dirty="0" smtClean="0"/>
+              <a:t>(“</a:t>
+            </a:r>
+            <a:r>
+              <a:rPr lang="en-US" altLang="zh-CN" dirty="0" err="1" smtClean="0"/>
+              <a:t>UseTime</a:t>
+            </a:r>
+            <a:r>
+              <a:rPr lang="en-US" altLang="zh-CN" dirty="0" smtClean="0"/>
+              <a:t>”, </a:t>
+            </a:r>
+            <a:r>
+              <a:rPr lang="en-US" altLang="zh-CN" dirty="0" err="1" smtClean="0"/>
+              <a:t>iValue</a:t>
+            </a:r>
+            <a:r>
+              <a:rPr lang="en-US" altLang="zh-CN" dirty="0" smtClean="0"/>
+              <a:t>))</a:t>
+            </a:r>
+          </a:p>
+          <a:p>
+            <a:pPr marL="0" indent="0">
+              <a:buNone/>
+            </a:pPr>
+            <a:r>
+              <a:rPr lang="en-US" altLang="zh-CN" dirty="0" smtClean="0"/>
+              <a:t>{</a:t>
+            </a:r>
+          </a:p>
+          <a:p>
+            <a:pPr marL="0" indent="0">
+              <a:buNone/>
+            </a:pPr>
+            <a:r>
+              <a:rPr lang="en-US" altLang="zh-CN" dirty="0"/>
+              <a:t> </a:t>
+            </a:r>
+            <a:r>
+              <a:rPr lang="en-US" altLang="zh-CN" dirty="0" smtClean="0"/>
+              <a:t>   </a:t>
+            </a:r>
+            <a:r>
+              <a:rPr lang="en-US" altLang="zh-CN" dirty="0" err="1" smtClean="0"/>
+              <a:t>common.nUseTime</a:t>
+            </a:r>
+            <a:r>
+              <a:rPr lang="en-US" altLang="zh-CN" dirty="0" smtClean="0"/>
+              <a:t> = </a:t>
+            </a:r>
+            <a:r>
+              <a:rPr lang="en-US" altLang="zh-CN" dirty="0" err="1" smtClean="0"/>
+              <a:t>iValue</a:t>
+            </a:r>
+            <a:r>
+              <a:rPr lang="en-US" altLang="zh-CN" dirty="0" smtClean="0"/>
+              <a:t>;</a:t>
+            </a:r>
+          </a:p>
+          <a:p>
+            <a:pPr marL="0" indent="0">
+              <a:buNone/>
+            </a:pPr>
+            <a:r>
+              <a:rPr lang="en-US" altLang="zh-CN" dirty="0" smtClean="0"/>
+              <a:t>}</a:t>
+            </a:r>
+          </a:p>
+          <a:p>
+            <a:pPr marL="0" indent="0">
+              <a:buNone/>
+            </a:pPr>
+            <a:r>
+              <a:rPr lang="zh-CN" altLang="en-US" dirty="0"/>
+              <a:t>以下</a:t>
+            </a:r>
+            <a:r>
+              <a:rPr lang="zh-CN" altLang="en-US" dirty="0" smtClean="0"/>
+              <a:t>省略</a:t>
+            </a:r>
+            <a:r>
+              <a:rPr lang="en-US" altLang="zh-CN" dirty="0" smtClean="0"/>
+              <a:t>3000</a:t>
+            </a:r>
+            <a:r>
+              <a:rPr lang="zh-CN" altLang="en-US" dirty="0" smtClean="0"/>
+              <a:t>行左右</a:t>
             </a:r>
             <a:endParaRPr lang="en-US" altLang="zh-CN" dirty="0" smtClean="0"/>
           </a:p>
@@ -6602,45 +7525,56 @@
       </p:grpSpPr>
       <p:sp>
         <p:nvSpPr>
-          <p:cNvPr id="7" name="文本框 6"/>
-          <p:cNvSpPr txBox="1"/>
-          <p:nvPr/>
-        </p:nvSpPr>
-        <p:spPr>
-          <a:xfrm>
-            <a:off x="1390917" y="2575774"/>
-            <a:ext cx="3670479" cy="1200329"/>
-          </a:xfrm>
-          <a:prstGeom prst="rect">
-            <a:avLst/>
-          </a:prstGeom>
-          <a:noFill/>
-        </p:spPr>
-        <p:txBody>
-          <a:bodyPr wrap="square" rtlCol="0">
-            <a:spAutoFit/>
-          </a:bodyPr>
-          <a:lstStyle/>
-          <a:p>
+          <p:cNvPr id="2" name="标题 1"/>
+          <p:cNvSpPr>
+            <a:spLocks noGrp="1"/>
+          </p:cNvSpPr>
+          <p:nvPr>
+            <p:ph type="title"/>
+          </p:nvPr>
+        </p:nvSpPr>
+        <p:spPr/>
+        <p:txBody>
+          <a:bodyPr/>
+          <a:lstStyle/>
+          <a:p>
+            <a:pPr algn="l"/>
+            <a:r>
+              <a:rPr lang="zh-CN" altLang="en-US" dirty="0"/>
+              <a:t>需求背景</a:t>
+            </a:r>
+          </a:p>
+        </p:txBody>
+      </p:sp>
+      <p:sp>
+        <p:nvSpPr>
+          <p:cNvPr id="3" name="内容占位符 2"/>
+          <p:cNvSpPr>
+            <a:spLocks noGrp="1"/>
+          </p:cNvSpPr>
+          <p:nvPr>
+            <p:ph idx="1"/>
+          </p:nvPr>
+        </p:nvSpPr>
+        <p:spPr/>
+        <p:txBody>
+          <a:bodyPr/>
+          <a:lstStyle/>
+          <a:p>
+            <a:pPr marL="0" indent="0">
+              <a:buNone/>
+            </a:pPr>
             <a:r>
               <a:rPr lang="zh-CN" altLang="en-US" dirty="0" smtClean="0"/>
-              <a:t>对于读取</a:t>
+              <a:t>随着项目的发展， 目前有了</a:t>
             </a:r>
             <a:r>
               <a:rPr lang="en-US" altLang="zh-CN" dirty="0" smtClean="0"/>
-              <a:t>item.slk</a:t>
+              <a:t>268</a:t>
             </a:r>
             <a:r>
               <a:rPr lang="zh-CN" altLang="en-US" dirty="0" smtClean="0"/>
-              <a:t>道具表格</a:t>
-            </a:r>
-            <a:r>
-              <a:rPr lang="zh-CN" altLang="en-US" dirty="0"/>
-              <a:t>这样的一个</a:t>
-            </a:r>
-            <a:r>
-              <a:rPr lang="zh-CN" altLang="en-US" dirty="0" smtClean="0"/>
-              <a:t>任务， 首先定义了一个类， 然后编写了如下代码， 从</a:t>
+              <a:t>个</a:t>
             </a:r>
             <a:r>
               <a:rPr lang="en-US" altLang="zh-CN" dirty="0" err="1" smtClean="0"/>
@@ -6648,43 +7582,34 @@
             </a:r>
             <a:r>
               <a:rPr lang="zh-CN" altLang="en-US" dirty="0" smtClean="0"/>
-              <a:t>里面读取这个对象。 以下省略</a:t>
-            </a:r>
-            <a:r>
-              <a:rPr lang="en-US" altLang="zh-CN" dirty="0" smtClean="0"/>
-              <a:t>3000</a:t>
-            </a:r>
+              <a:t>文件， 而且还有不断增加的趋势。</a:t>
+            </a:r>
+            <a:endParaRPr lang="en-US" altLang="zh-CN" dirty="0" smtClean="0"/>
+          </a:p>
+          <a:p>
+            <a:pPr marL="0" indent="0">
+              <a:buNone/>
+            </a:pPr>
             <a:r>
               <a:rPr lang="zh-CN" altLang="en-US" dirty="0" smtClean="0"/>
-              <a:t>行。</a:t>
-            </a:r>
-            <a:endParaRPr lang="zh-CN" altLang="en-US" dirty="0"/>
-          </a:p>
-        </p:txBody>
-      </p:sp>
-      <p:sp>
-        <p:nvSpPr>
-          <p:cNvPr id="2" name="内容占位符 1"/>
-          <p:cNvSpPr>
-            <a:spLocks noGrp="1"/>
-          </p:cNvSpPr>
-          <p:nvPr>
-            <p:ph idx="1"/>
-          </p:nvPr>
-        </p:nvSpPr>
-        <p:spPr/>
-        <p:txBody>
-          <a:bodyPr/>
-          <a:lstStyle/>
-          <a:p>
-            <a:endParaRPr lang="zh-CN" altLang="en-US"/>
+              <a:t>大量的代码花在了处理读取</a:t>
+            </a:r>
+            <a:r>
+              <a:rPr lang="en-US" altLang="zh-CN" dirty="0" err="1" smtClean="0"/>
+              <a:t>slk</a:t>
+            </a:r>
+            <a:r>
+              <a:rPr lang="zh-CN" altLang="en-US" dirty="0" smtClean="0"/>
+              <a:t>上面， 而且质量参差不齐， 使开发人员无法把精力集中在游戏逻辑的处理上， 降低开发效率。</a:t>
+            </a:r>
+            <a:endParaRPr lang="en-US" altLang="zh-CN" dirty="0" smtClean="0"/>
           </a:p>
         </p:txBody>
       </p:sp>
     </p:spTree>
     <p:extLst>
       <p:ext uri="{BB962C8B-B14F-4D97-AF65-F5344CB8AC3E}">
-        <p14:creationId xmlns:p14="http://schemas.microsoft.com/office/powerpoint/2010/main" val="2390668766"/>
+        <p14:creationId xmlns:p14="http://schemas.microsoft.com/office/powerpoint/2010/main" val="2745744694"/>
       </p:ext>
     </p:extLst>
   </p:cSld>
@@ -6733,19 +7658,11 @@
           <a:bodyPr/>
           <a:lstStyle/>
           <a:p>
+            <a:pPr algn="l"/>
             <a:r>
               <a:rPr lang="zh-CN" altLang="en-US" dirty="0"/>
-              <a:t>为什么需要</a:t>
-            </a:r>
-            <a:r>
-              <a:rPr lang="en-US" altLang="zh-CN" dirty="0" err="1"/>
-              <a:t>TData</a:t>
-            </a:r>
-            <a:r>
-              <a:rPr lang="en-US" altLang="zh-CN" dirty="0"/>
-              <a:t>?</a:t>
-            </a:r>
-            <a:endParaRPr lang="zh-CN" altLang="en-US" dirty="0"/>
+              <a:t>需求背景</a:t>
+            </a:r>
           </a:p>
         </p:txBody>
       </p:sp>
@@ -6761,31 +7678,38 @@
         </p:nvSpPr>
         <p:spPr/>
         <p:txBody>
-          <a:bodyPr/>
-          <a:lstStyle/>
-          <a:p>
-            <a:pPr marL="0" indent="0">
-              <a:buNone/>
-            </a:pPr>
+          <a:bodyPr>
+            <a:normAutofit lnSpcReduction="10000"/>
+          </a:bodyPr>
+          <a:lstStyle/>
+          <a:p>
             <a:r>
               <a:rPr lang="zh-CN" altLang="en-US" dirty="0" smtClean="0"/>
-              <a:t>之后我们更多的</a:t>
+              <a:t>存取数据库时， 由于数据转换太过于复杂， 无奈之下采用了</a:t>
+            </a:r>
+            <a:r>
+              <a:rPr lang="en-US" altLang="zh-CN" dirty="0" smtClean="0"/>
+              <a:t>blob</a:t>
+            </a:r>
+            <a:r>
+              <a:rPr lang="zh-CN" altLang="en-US" dirty="0" smtClean="0"/>
+              <a:t>进行存储。 甚至就没有利用到</a:t>
             </a:r>
             <a:r>
               <a:rPr lang="en-US" altLang="zh-CN" dirty="0" err="1" smtClean="0"/>
-              <a:t>slk</a:t>
+              <a:t>sql</a:t>
             </a:r>
             <a:r>
               <a:rPr lang="zh-CN" altLang="en-US" dirty="0" smtClean="0"/>
-              <a:t>， 每一个</a:t>
-            </a:r>
-            <a:r>
-              <a:rPr lang="en-US" altLang="zh-CN" dirty="0" err="1" smtClean="0"/>
-              <a:t>slk</a:t>
+              <a:t>语句强大的数据处理能力</a:t>
+            </a:r>
+            <a:r>
+              <a:rPr lang="en-US" altLang="zh-CN" dirty="0" smtClean="0"/>
+              <a:t>, </a:t>
             </a:r>
             <a:r>
               <a:rPr lang="zh-CN" altLang="en-US" dirty="0" smtClean="0"/>
-              <a:t>都需要这样的一个函数来把他转换为</a:t>
+              <a:t>而使用</a:t>
             </a:r>
             <a:r>
               <a:rPr lang="en-US" altLang="zh-CN" dirty="0" smtClean="0"/>
@@ -6793,26 +7717,38 @@
             </a:r>
             <a:r>
               <a:rPr lang="zh-CN" altLang="en-US" dirty="0" smtClean="0"/>
-              <a:t>语言里面的一个对象。 最终项目里出现了</a:t>
-            </a:r>
-            <a:r>
-              <a:rPr lang="en-US" altLang="zh-CN" dirty="0" smtClean="0"/>
-              <a:t>268</a:t>
+              <a:t>开发的工具来对数据进行日常维护。</a:t>
+            </a:r>
+            <a:endParaRPr lang="en-US" altLang="zh-CN" dirty="0" smtClean="0"/>
+          </a:p>
+          <a:p>
+            <a:r>
+              <a:rPr lang="zh-CN" altLang="en-US" dirty="0"/>
+              <a:t>读取进程配置文件</a:t>
+            </a:r>
+            <a:endParaRPr lang="en-US" altLang="zh-CN" dirty="0"/>
+          </a:p>
+          <a:p>
+            <a:r>
+              <a:rPr lang="zh-CN" altLang="en-US" dirty="0"/>
+              <a:t>网络协议</a:t>
             </a:r>
             <a:r>
               <a:rPr lang="zh-CN" altLang="en-US" dirty="0" smtClean="0"/>
-              <a:t>个</a:t>
-            </a:r>
-            <a:r>
-              <a:rPr lang="en-US" altLang="zh-CN" dirty="0" err="1" smtClean="0"/>
-              <a:t>slk</a:t>
-            </a:r>
+              <a:t>打包</a:t>
+            </a:r>
+            <a:endParaRPr lang="en-US" altLang="zh-CN" dirty="0" smtClean="0"/>
+          </a:p>
+          <a:p>
             <a:r>
               <a:rPr lang="zh-CN" altLang="en-US" dirty="0" smtClean="0"/>
-              <a:t>， 读取资源的代码写了一遍又一遍， 一遍又一遍， 一遍又一遍</a:t>
-            </a:r>
-            <a:r>
-              <a:rPr lang="en-US" altLang="zh-CN" dirty="0" smtClean="0"/>
+              <a:t>客户端资源打包</a:t>
+            </a:r>
+            <a:endParaRPr lang="en-US" altLang="zh-CN" dirty="0" smtClean="0"/>
+          </a:p>
+          <a:p>
+            <a:r>
+              <a:rPr lang="en-US" altLang="zh-CN" dirty="0"/>
               <a:t>……</a:t>
             </a:r>
           </a:p>
@@ -6821,37 +7757,26 @@
               <a:buNone/>
             </a:pPr>
             <a:endParaRPr lang="en-US" altLang="zh-CN" dirty="0" smtClean="0"/>
-          </a:p>
-          <a:p>
-            <a:pPr marL="0" indent="0">
-              <a:buNone/>
-            </a:pPr>
-            <a:r>
-              <a:rPr lang="zh-CN" altLang="en-US" dirty="0" smtClean="0"/>
-              <a:t>现在可以只需要把数据定义好， 就可以自动把</a:t>
-            </a:r>
-            <a:r>
-              <a:rPr lang="en-US" altLang="zh-CN" dirty="0" smtClean="0"/>
-              <a:t>Excel</a:t>
-            </a:r>
-            <a:r>
-              <a:rPr lang="zh-CN" altLang="en-US" dirty="0" smtClean="0"/>
-              <a:t>文件转换为对象。</a:t>
-            </a:r>
-            <a:endParaRPr lang="zh-CN" altLang="en-US" dirty="0"/>
           </a:p>
         </p:txBody>
       </p:sp>
     </p:spTree>
     <p:extLst>
       <p:ext uri="{BB962C8B-B14F-4D97-AF65-F5344CB8AC3E}">
-        <p14:creationId xmlns:p14="http://schemas.microsoft.com/office/powerpoint/2010/main" val="3702154105"/>
+        <p14:creationId xmlns:p14="http://schemas.microsoft.com/office/powerpoint/2010/main" val="3303929877"/>
       </p:ext>
     </p:extLst>
   </p:cSld>
   <p:clrMapOvr>
     <a:masterClrMapping/>
   </p:clrMapOvr>
+  <p:timing>
+    <p:tnLst>
+      <p:par>
+        <p:cTn id="1" dur="indefinite" restart="never" nodeType="tmRoot"/>
+      </p:par>
+    </p:tnLst>
+  </p:timing>
 </p:sld>
 </file>
 
@@ -6887,19 +7812,11 @@
           <a:bodyPr/>
           <a:lstStyle/>
           <a:p>
+            <a:pPr algn="l"/>
             <a:r>
               <a:rPr lang="zh-CN" altLang="en-US" dirty="0"/>
-              <a:t>为什么需要</a:t>
-            </a:r>
-            <a:r>
-              <a:rPr lang="en-US" altLang="zh-CN" dirty="0" err="1"/>
-              <a:t>TData</a:t>
-            </a:r>
-            <a:r>
-              <a:rPr lang="en-US" altLang="zh-CN" dirty="0"/>
-              <a:t>?</a:t>
-            </a:r>
-            <a:endParaRPr lang="zh-CN" altLang="en-US" dirty="0"/>
+              <a:t>需求背景</a:t>
+            </a:r>
           </a:p>
         </p:txBody>
       </p:sp>
@@ -6915,12 +7832,14 @@
         </p:nvSpPr>
         <p:spPr/>
         <p:txBody>
-          <a:bodyPr/>
+          <a:bodyPr>
+            <a:normAutofit/>
+          </a:bodyPr>
           <a:lstStyle/>
           <a:p>
             <a:r>
               <a:rPr lang="zh-CN" altLang="en-US" dirty="0" smtClean="0"/>
-              <a:t>读取进程配置文件</a:t>
+              <a:t>多种数据格式之间的转换</a:t>
             </a:r>
             <a:endParaRPr lang="en-US" altLang="zh-CN" dirty="0" smtClean="0"/>
           </a:p>
@@ -6929,36 +7848,40 @@
               <a:buNone/>
             </a:pPr>
             <a:r>
-              <a:rPr lang="zh-CN" altLang="en-US" dirty="0"/>
-              <a:t>服务器一般</a:t>
+              <a:rPr lang="en-US" altLang="zh-CN" dirty="0"/>
+              <a:t> </a:t>
+            </a:r>
+            <a:r>
+              <a:rPr lang="en-US" altLang="zh-CN" dirty="0" smtClean="0"/>
+              <a:t>   </a:t>
             </a:r>
             <a:r>
               <a:rPr lang="zh-CN" altLang="en-US" dirty="0" smtClean="0"/>
-              <a:t>具有很多进程， 每个进程都有自己的配置文件， 一般由</a:t>
+              <a:t>比如在玩家登陆时，服务器需要读取角色信息， 并把它发送给客户端。这就要解决多语言， 多格式之间的数据转换。 在网络协议这方面</a:t>
             </a:r>
             <a:r>
               <a:rPr lang="en-US" altLang="zh-CN" dirty="0" smtClean="0"/>
-              <a:t>xml</a:t>
+              <a:t>Thrift</a:t>
             </a:r>
             <a:r>
               <a:rPr lang="zh-CN" altLang="en-US" dirty="0" smtClean="0"/>
-              <a:t>来表示， 除了前面所述的重复代码问题之外， 还需要小心的管理配置文件中的重复数据。 比如</a:t>
+              <a:t>和</a:t>
+            </a:r>
+            <a:r>
+              <a:rPr lang="en-US" altLang="zh-CN" dirty="0" err="1" smtClean="0"/>
+              <a:t>ProtoBuf</a:t>
+            </a:r>
+            <a:r>
+              <a:rPr lang="zh-CN" altLang="en-US" dirty="0" smtClean="0"/>
+              <a:t>已经做得很好， 但却不具备服务器开发中更加需要的处理资源文件， 数据库， 配置文件</a:t>
             </a:r>
             <a:r>
               <a:rPr lang="en-US" altLang="zh-CN" dirty="0" smtClean="0"/>
-              <a:t>server.ini</a:t>
+              <a:t>……</a:t>
             </a:r>
             <a:r>
               <a:rPr lang="zh-CN" altLang="en-US" dirty="0" smtClean="0"/>
-              <a:t>中的</a:t>
-            </a:r>
-            <a:r>
-              <a:rPr lang="en-US" altLang="zh-CN" dirty="0" err="1" smtClean="0"/>
-              <a:t>ManagerServerIP</a:t>
-            </a:r>
-            <a:r>
-              <a:rPr lang="zh-CN" altLang="en-US" dirty="0" smtClean="0"/>
-              <a:t>这个重复的数据会被填到很多进程的配置文件中。</a:t>
+              <a:t>的功能。</a:t>
             </a:r>
             <a:endParaRPr lang="en-US" altLang="zh-CN" dirty="0" smtClean="0"/>
           </a:p>
@@ -6966,21 +7889,11 @@
             <a:pPr marL="0" indent="0">
               <a:buNone/>
             </a:pPr>
-            <a:endParaRPr lang="en-US" altLang="zh-CN" dirty="0"/>
-          </a:p>
-          <a:p>
-            <a:pPr marL="0" indent="0">
-              <a:buNone/>
-            </a:pPr>
-            <a:r>
-              <a:rPr lang="en-US" altLang="zh-CN" dirty="0" err="1" smtClean="0"/>
-              <a:t>TLibC</a:t>
-            </a:r>
-            <a:r>
-              <a:rPr lang="zh-CN" altLang="en-US" dirty="0" smtClean="0"/>
-              <a:t>可以消除这样的重复配置。</a:t>
-            </a:r>
-            <a:endParaRPr lang="en-US" altLang="zh-CN" dirty="0" smtClean="0"/>
+            <a:r>
+              <a:rPr lang="zh-CN" altLang="en-US" sz="3600" b="1" dirty="0" smtClean="0"/>
+              <a:t>需要一个新的工具来支持更加丰富的数据格式！</a:t>
+            </a:r>
+            <a:endParaRPr lang="en-US" altLang="zh-CN" sz="3600" b="1" dirty="0" smtClean="0"/>
           </a:p>
         </p:txBody>
       </p:sp>
@@ -6994,6 +7907,13 @@
   <p:clrMapOvr>
     <a:masterClrMapping/>
   </p:clrMapOvr>
+  <p:timing>
+    <p:tnLst>
+      <p:par>
+        <p:cTn id="1" dur="indefinite" restart="never" nodeType="tmRoot"/>
+      </p:par>
+    </p:tnLst>
+  </p:timing>
 </p:sld>
 </file>
 
@@ -7029,17 +7949,10 @@
           <a:bodyPr/>
           <a:lstStyle/>
           <a:p>
-            <a:r>
-              <a:rPr lang="zh-CN" altLang="en-US" dirty="0"/>
-              <a:t>为什么需要</a:t>
-            </a:r>
-            <a:r>
-              <a:rPr lang="en-US" altLang="zh-CN" dirty="0" err="1"/>
-              <a:t>TData</a:t>
-            </a:r>
-            <a:r>
-              <a:rPr lang="en-US" altLang="zh-CN" dirty="0"/>
-              <a:t>?</a:t>
+            <a:pPr algn="l"/>
+            <a:r>
+              <a:rPr lang="zh-CN" altLang="en-US" dirty="0" smtClean="0"/>
+              <a:t>设计要点</a:t>
             </a:r>
             <a:endParaRPr lang="zh-CN" altLang="en-US" dirty="0"/>
           </a:p>
@@ -7057,27 +7970,43 @@
         </p:nvSpPr>
         <p:spPr/>
         <p:txBody>
-          <a:bodyPr/>
-          <a:lstStyle/>
-          <a:p>
-            <a:r>
-              <a:rPr lang="zh-CN" altLang="en-US" dirty="0"/>
-              <a:t>存取</a:t>
-            </a:r>
+          <a:bodyPr>
+            <a:normAutofit/>
+          </a:bodyPr>
+          <a:lstStyle/>
+          <a:p>
             <a:r>
               <a:rPr lang="zh-CN" altLang="en-US" dirty="0" smtClean="0"/>
-              <a:t>数据库</a:t>
-            </a:r>
-            <a:endParaRPr lang="en-US" altLang="zh-CN" dirty="0"/>
-          </a:p>
-          <a:p>
+              <a:t>严谨的数据定义语言</a:t>
+            </a:r>
+            <a:endParaRPr lang="en-US" altLang="zh-CN" dirty="0" smtClean="0"/>
+          </a:p>
+          <a:p>
+            <a:pPr marL="0" indent="0">
+              <a:buNone/>
+            </a:pPr>
+            <a:r>
+              <a:rPr lang="en-US" altLang="zh-CN" dirty="0"/>
+              <a:t> </a:t>
+            </a:r>
+            <a:r>
+              <a:rPr lang="en-US" altLang="zh-CN" dirty="0" smtClean="0"/>
+              <a:t>       </a:t>
+            </a:r>
             <a:r>
               <a:rPr lang="zh-CN" altLang="en-US" dirty="0" smtClean="0"/>
-              <a:t>网络协议</a:t>
+              <a:t>使用正则表达式和巴克斯范式描述的语言</a:t>
             </a:r>
             <a:endParaRPr lang="en-US" altLang="zh-CN" dirty="0" smtClean="0"/>
           </a:p>
           <a:p>
+            <a:r>
+              <a:rPr lang="zh-CN" altLang="en-US" dirty="0" smtClean="0"/>
+              <a:t>高可移植性的编译器</a:t>
+            </a:r>
+            <a:endParaRPr lang="en-US" altLang="zh-CN" dirty="0" smtClean="0"/>
+          </a:p>
+          <a:p>
             <a:pPr marL="0" indent="0">
               <a:buNone/>
             </a:pPr>
@@ -7087,11 +8016,84 @@
             </a:r>
             <a:r>
               <a:rPr lang="en-US" altLang="zh-CN" dirty="0" smtClean="0"/>
-              <a:t>   </a:t>
+              <a:t>       </a:t>
             </a:r>
             <a:r>
               <a:rPr lang="zh-CN" altLang="en-US" dirty="0" smtClean="0"/>
-              <a:t>在支持了读取</a:t>
+              <a:t>需要在</a:t>
+            </a:r>
+            <a:r>
+              <a:rPr lang="en-US" altLang="zh-CN" dirty="0" smtClean="0"/>
+              <a:t>Linux, Windows, </a:t>
+            </a:r>
+            <a:r>
+              <a:rPr lang="en-US" altLang="zh-CN" dirty="0" err="1" smtClean="0"/>
+              <a:t>MacOSX</a:t>
+            </a:r>
+            <a:r>
+              <a:rPr lang="zh-CN" altLang="en-US" dirty="0" smtClean="0"/>
+              <a:t>上都可以运行的编译器。</a:t>
+            </a:r>
+            <a:endParaRPr lang="en-US" altLang="zh-CN" dirty="0" smtClean="0"/>
+          </a:p>
+          <a:p>
+            <a:r>
+              <a:rPr lang="zh-CN" altLang="en-US" dirty="0" smtClean="0"/>
+              <a:t>丰富的</a:t>
+            </a:r>
+            <a:r>
+              <a:rPr lang="zh-CN" altLang="en-US" dirty="0" smtClean="0"/>
+              <a:t>语言和</a:t>
+            </a:r>
+            <a:r>
+              <a:rPr lang="zh-CN" altLang="en-US" dirty="0" smtClean="0"/>
+              <a:t>数据格式支持</a:t>
+            </a:r>
+            <a:endParaRPr lang="en-US" altLang="zh-CN" dirty="0" smtClean="0"/>
+          </a:p>
+          <a:p>
+            <a:pPr marL="0" indent="0">
+              <a:buNone/>
+            </a:pPr>
+            <a:r>
+              <a:rPr lang="en-US" altLang="zh-CN" dirty="0" smtClean="0"/>
+              <a:t>        </a:t>
+            </a:r>
+            <a:r>
+              <a:rPr lang="zh-CN" altLang="en-US" dirty="0" smtClean="0"/>
+              <a:t>支持</a:t>
+            </a:r>
+            <a:r>
+              <a:rPr lang="en-US" altLang="zh-CN" dirty="0" smtClean="0"/>
+              <a:t>C</a:t>
+            </a:r>
+            <a:r>
+              <a:rPr lang="zh-CN" altLang="en-US" dirty="0" smtClean="0"/>
+              <a:t>， </a:t>
+            </a:r>
+            <a:r>
+              <a:rPr lang="en-US" altLang="zh-CN" dirty="0" smtClean="0"/>
+              <a:t>C#</a:t>
+            </a:r>
+            <a:r>
+              <a:rPr lang="zh-CN" altLang="en-US" dirty="0" smtClean="0"/>
+              <a:t>， </a:t>
+            </a:r>
+            <a:r>
+              <a:rPr lang="en-US" altLang="zh-CN" dirty="0" smtClean="0"/>
+              <a:t>SQL</a:t>
+            </a:r>
+            <a:r>
+              <a:rPr lang="zh-CN" altLang="en-US" dirty="0" smtClean="0"/>
+              <a:t>语言， 具有</a:t>
+            </a:r>
+            <a:r>
+              <a:rPr lang="en-US" altLang="zh-CN" dirty="0" smtClean="0"/>
+              <a:t>xml</a:t>
+            </a:r>
+            <a:r>
+              <a:rPr lang="en-US" altLang="zh-CN" dirty="0" smtClean="0"/>
+              <a:t>, </a:t>
             </a:r>
             <a:r>
               <a:rPr lang="en-US" altLang="zh-CN" dirty="0" err="1" smtClean="0"/>
@@ -7099,51 +8101,19 @@
             </a:r>
             <a:r>
               <a:rPr lang="en-US" altLang="zh-CN" dirty="0" smtClean="0"/>
-              <a:t>, xml, </a:t>
+              <a:t>, </a:t>
             </a:r>
             <a:r>
               <a:rPr lang="en-US" altLang="zh-CN" dirty="0" err="1" smtClean="0"/>
               <a:t>mysql</a:t>
             </a:r>
             <a:r>
-              <a:rPr lang="zh-CN" altLang="en-US" dirty="0"/>
-              <a:t>三种数据</a:t>
+              <a:rPr lang="en-US" altLang="zh-CN" dirty="0" smtClean="0"/>
+              <a:t>, </a:t>
             </a:r>
             <a:r>
               <a:rPr lang="zh-CN" altLang="en-US" dirty="0" smtClean="0"/>
-              <a:t>之后， 我发现</a:t>
-            </a:r>
-            <a:r>
-              <a:rPr lang="en-US" altLang="zh-CN" dirty="0" smtClean="0"/>
-              <a:t>Thrift</a:t>
-            </a:r>
-            <a:r>
-              <a:rPr lang="zh-CN" altLang="en-US" dirty="0" smtClean="0"/>
-              <a:t>和</a:t>
-            </a:r>
-            <a:r>
-              <a:rPr lang="en-US" altLang="zh-CN" dirty="0" err="1" smtClean="0"/>
-              <a:t>ProtoBuf</a:t>
-            </a:r>
-            <a:r>
-              <a:rPr lang="zh-CN" altLang="en-US" dirty="0" smtClean="0"/>
-              <a:t>这样的东西弱爆了， 于是顺手写了一个支持网络协议的东东， 也支持</a:t>
-            </a:r>
-            <a:r>
-              <a:rPr lang="en-US" altLang="zh-CN" dirty="0" smtClean="0"/>
-              <a:t>Compact</a:t>
-            </a:r>
-            <a:r>
-              <a:rPr lang="zh-CN" altLang="en-US" dirty="0" smtClean="0"/>
-              <a:t>的那种压缩前缀</a:t>
-            </a:r>
-            <a:r>
-              <a:rPr lang="en-US" altLang="zh-CN" dirty="0" smtClean="0"/>
-              <a:t>0</a:t>
-            </a:r>
-            <a:r>
-              <a:rPr lang="zh-CN" altLang="en-US" dirty="0" smtClean="0"/>
-              <a:t>的功能哦。</a:t>
+              <a:t>字节流等多种格式。</a:t>
             </a:r>
             <a:endParaRPr lang="en-US" altLang="zh-CN" dirty="0" smtClean="0"/>
           </a:p>
@@ -7152,13 +8122,20 @@
     </p:spTree>
     <p:extLst>
       <p:ext uri="{BB962C8B-B14F-4D97-AF65-F5344CB8AC3E}">
-        <p14:creationId xmlns:p14="http://schemas.microsoft.com/office/powerpoint/2010/main" val="2783878417"/>
+        <p14:creationId xmlns:p14="http://schemas.microsoft.com/office/powerpoint/2010/main" val="3425216335"/>
       </p:ext>
     </p:extLst>
   </p:cSld>
   <p:clrMapOvr>
     <a:masterClrMapping/>
   </p:clrMapOvr>
+  <p:timing>
+    <p:tnLst>
+      <p:par>
+        <p:cTn id="1" dur="indefinite" restart="never" nodeType="tmRoot"/>
+      </p:par>
+    </p:tnLst>
+  </p:timing>
 </p:sld>
 </file>
 
@@ -7194,11 +8171,19 @@
           <a:bodyPr/>
           <a:lstStyle/>
           <a:p>
+            <a:pPr algn="l"/>
             <a:r>
               <a:rPr lang="zh-CN" altLang="en-US" dirty="0" smtClean="0"/>
-              <a:t>设计要点</a:t>
-            </a:r>
-            <a:endParaRPr lang="zh-CN" altLang="en-US" dirty="0"/>
+              <a:t>实现方法</a:t>
+            </a:r>
+            <a:r>
+              <a:rPr lang="en-US" altLang="zh-CN" dirty="0" smtClean="0"/>
+              <a:t>——</a:t>
+            </a:r>
+            <a:r>
+              <a:rPr lang="zh-CN" altLang="en-US" dirty="0"/>
+              <a:t>严谨的数据描述语言 </a:t>
+            </a:r>
           </a:p>
         </p:txBody>
       </p:sp>
@@ -7214,91 +8199,214 @@
         </p:nvSpPr>
         <p:spPr/>
         <p:txBody>
-          <a:bodyPr/>
-          <a:lstStyle/>
-          <a:p>
-            <a:r>
-              <a:rPr lang="en-US" altLang="zh-CN" dirty="0" err="1" smtClean="0"/>
-              <a:t>TData</a:t>
-            </a:r>
-            <a:r>
-              <a:rPr lang="zh-CN" altLang="en-US" dirty="0" smtClean="0"/>
-              <a:t>数据描述语言， 具有极为严谨数学描述。</a:t>
-            </a:r>
+          <a:bodyPr>
+            <a:normAutofit lnSpcReduction="10000"/>
+          </a:bodyPr>
+          <a:lstStyle/>
+          <a:p>
+            <a:r>
+              <a:rPr lang="en-US" altLang="zh-CN" dirty="0"/>
+              <a:t>[1] Document : </a:t>
+            </a:r>
+            <a:r>
+              <a:rPr lang="en-US" altLang="zh-CN" dirty="0" err="1"/>
+              <a:t>DefinitionList</a:t>
+            </a:r>
+            <a:endParaRPr lang="en-US" altLang="zh-CN" dirty="0"/>
+          </a:p>
+          <a:p>
+            <a:r>
+              <a:rPr lang="en-US" altLang="zh-CN" dirty="0"/>
+              <a:t>[2] </a:t>
+            </a:r>
+            <a:r>
+              <a:rPr lang="en-US" altLang="zh-CN" dirty="0" err="1"/>
+              <a:t>DefinitionList</a:t>
+            </a:r>
+            <a:r>
+              <a:rPr lang="en-US" altLang="zh-CN" dirty="0"/>
+              <a:t> : </a:t>
+            </a:r>
+            <a:r>
+              <a:rPr lang="en-US" altLang="zh-CN" dirty="0" err="1"/>
+              <a:t>DefinitionList</a:t>
+            </a:r>
+            <a:r>
+              <a:rPr lang="en-US" altLang="zh-CN" dirty="0"/>
+              <a:t> Definition | {}</a:t>
+            </a:r>
+          </a:p>
+          <a:p>
+            <a:r>
+              <a:rPr lang="en-US" altLang="zh-CN" dirty="0"/>
+              <a:t>[3] Definition : Import | </a:t>
+            </a:r>
+            <a:r>
+              <a:rPr lang="en-US" altLang="zh-CN" dirty="0" err="1"/>
+              <a:t>Const</a:t>
+            </a:r>
+            <a:r>
+              <a:rPr lang="en-US" altLang="zh-CN" dirty="0"/>
+              <a:t> | </a:t>
+            </a:r>
+            <a:r>
+              <a:rPr lang="en-US" altLang="zh-CN" dirty="0" err="1"/>
+              <a:t>Typedef</a:t>
+            </a:r>
+            <a:r>
+              <a:rPr lang="en-US" altLang="zh-CN" dirty="0"/>
+              <a:t> | </a:t>
+            </a:r>
+            <a:r>
+              <a:rPr lang="en-US" altLang="zh-CN" dirty="0" err="1"/>
+              <a:t>Struct</a:t>
+            </a:r>
+            <a:r>
+              <a:rPr lang="en-US" altLang="zh-CN" dirty="0"/>
+              <a:t> | Union | </a:t>
+            </a:r>
+            <a:r>
+              <a:rPr lang="en-US" altLang="zh-CN" dirty="0" err="1"/>
+              <a:t>Enum</a:t>
+            </a:r>
+            <a:r>
+              <a:rPr lang="en-US" altLang="zh-CN" dirty="0"/>
+              <a:t> | </a:t>
+            </a:r>
+            <a:r>
+              <a:rPr lang="en-US" altLang="zh-CN" dirty="0" err="1"/>
+              <a:t>UnixComment</a:t>
+            </a:r>
+            <a:endParaRPr lang="en-US" altLang="zh-CN" dirty="0"/>
+          </a:p>
+          <a:p>
+            <a:r>
+              <a:rPr lang="en-US" altLang="zh-CN" dirty="0"/>
+              <a:t>[4] Import: 'Import' '</a:t>
+            </a:r>
+            <a:r>
+              <a:rPr lang="zh-CN" altLang="en-US" dirty="0"/>
+              <a:t>文件名</a:t>
+            </a:r>
+            <a:r>
+              <a:rPr lang="en-US" altLang="zh-CN" dirty="0"/>
+              <a:t>_</a:t>
+            </a:r>
+            <a:r>
+              <a:rPr lang="zh-CN" altLang="en-US" dirty="0"/>
+              <a:t>字符串</a:t>
+            </a:r>
+            <a:r>
+              <a:rPr lang="en-US" altLang="zh-CN" dirty="0"/>
+              <a:t>'</a:t>
+            </a:r>
+          </a:p>
+          <a:p>
+            <a:r>
+              <a:rPr lang="en-US" altLang="zh-CN" dirty="0"/>
+              <a:t>[5] </a:t>
+            </a:r>
+            <a:r>
+              <a:rPr lang="en-US" altLang="zh-CN" dirty="0" err="1"/>
+              <a:t>Typedef</a:t>
+            </a:r>
+            <a:r>
+              <a:rPr lang="en-US" altLang="zh-CN" dirty="0"/>
+              <a:t> : '</a:t>
+            </a:r>
+            <a:r>
+              <a:rPr lang="en-US" altLang="zh-CN" dirty="0" err="1"/>
+              <a:t>typedef</a:t>
+            </a:r>
+            <a:r>
+              <a:rPr lang="en-US" altLang="zh-CN" dirty="0"/>
+              <a:t>' </a:t>
+            </a:r>
+            <a:r>
+              <a:rPr lang="en-US" altLang="zh-CN" dirty="0" err="1"/>
+              <a:t>SimpleType</a:t>
+            </a:r>
+            <a:r>
+              <a:rPr lang="en-US" altLang="zh-CN" dirty="0"/>
+              <a:t> '</a:t>
+            </a:r>
+            <a:r>
+              <a:rPr lang="zh-CN" altLang="en-US" dirty="0"/>
+              <a:t>类型别名</a:t>
+            </a:r>
+            <a:r>
+              <a:rPr lang="en-US" altLang="zh-CN" dirty="0"/>
+              <a:t>_</a:t>
+            </a:r>
+            <a:r>
+              <a:rPr lang="zh-CN" altLang="en-US" dirty="0"/>
+              <a:t>标识符</a:t>
+            </a:r>
+            <a:r>
+              <a:rPr lang="en-US" altLang="zh-CN" dirty="0"/>
+              <a:t>' ';'</a:t>
+            </a:r>
+          </a:p>
+          <a:p>
+            <a:r>
+              <a:rPr lang="en-US" altLang="zh-CN" dirty="0"/>
+              <a:t>[6] '</a:t>
+            </a:r>
+            <a:r>
+              <a:rPr lang="en-US" altLang="zh-CN" dirty="0" err="1"/>
+              <a:t>const</a:t>
+            </a:r>
+            <a:r>
+              <a:rPr lang="en-US" altLang="zh-CN" dirty="0"/>
+              <a:t>' </a:t>
+            </a:r>
+            <a:r>
+              <a:rPr lang="en-US" altLang="zh-CN" dirty="0" err="1"/>
+              <a:t>SimpleType</a:t>
+            </a:r>
+            <a:r>
+              <a:rPr lang="en-US" altLang="zh-CN" dirty="0"/>
+              <a:t> '</a:t>
+            </a:r>
+            <a:r>
+              <a:rPr lang="zh-CN" altLang="en-US" dirty="0"/>
+              <a:t>常量名</a:t>
+            </a:r>
+            <a:r>
+              <a:rPr lang="en-US" altLang="zh-CN" dirty="0"/>
+              <a:t>_</a:t>
+            </a:r>
+            <a:r>
+              <a:rPr lang="zh-CN" altLang="en-US" dirty="0"/>
+              <a:t>标识符</a:t>
+            </a:r>
+            <a:r>
+              <a:rPr lang="en-US" altLang="zh-CN" dirty="0"/>
+              <a:t>' '=' Value ';'</a:t>
+            </a:r>
+          </a:p>
+          <a:p>
             <a:endParaRPr lang="en-US" altLang="zh-CN" dirty="0" smtClean="0"/>
-          </a:p>
-          <a:p>
-            <a:r>
-              <a:rPr lang="en-US" altLang="zh-CN" dirty="0" err="1" smtClean="0"/>
-              <a:t>TData</a:t>
-            </a:r>
-            <a:r>
-              <a:rPr lang="zh-CN" altLang="en-US" dirty="0" smtClean="0"/>
-              <a:t>数据描述语言， 具有类似</a:t>
-            </a:r>
-            <a:r>
-              <a:rPr lang="en-US" altLang="zh-CN" dirty="0" smtClean="0"/>
-              <a:t>C</a:t>
-            </a:r>
-            <a:r>
-              <a:rPr lang="zh-CN" altLang="en-US" dirty="0" smtClean="0"/>
-              <a:t>的简约风格。</a:t>
-            </a:r>
-            <a:endParaRPr lang="en-US" altLang="zh-CN" dirty="0" smtClean="0"/>
-          </a:p>
-          <a:p>
-            <a:r>
-              <a:rPr lang="en-US" altLang="zh-CN" dirty="0" err="1" smtClean="0"/>
-              <a:t>TData</a:t>
-            </a:r>
-            <a:r>
-              <a:rPr lang="zh-CN" altLang="en-US" dirty="0" smtClean="0"/>
-              <a:t>数据描述语言， 只规定数据的结构， 对编码方式不做限定。</a:t>
-            </a:r>
-            <a:endParaRPr lang="en-US" altLang="zh-CN" dirty="0" smtClean="0"/>
-          </a:p>
-          <a:p>
-            <a:r>
-              <a:rPr lang="en-US" altLang="zh-CN" dirty="0" err="1" smtClean="0"/>
-              <a:t>TData</a:t>
-            </a:r>
-            <a:r>
-              <a:rPr lang="zh-CN" altLang="en-US" dirty="0" smtClean="0"/>
-              <a:t>编译器， 可以支持多种程序设计语言， 并且具有非常优良的移植性。</a:t>
-            </a:r>
-            <a:endParaRPr lang="en-US" altLang="zh-CN" dirty="0" smtClean="0"/>
-          </a:p>
-          <a:p>
-            <a:r>
-              <a:rPr lang="en-US" altLang="zh-CN" dirty="0" err="1" smtClean="0"/>
-              <a:t>TLibC</a:t>
-            </a:r>
-            <a:r>
-              <a:rPr lang="en-US" altLang="zh-CN" dirty="0" smtClean="0"/>
-              <a:t> &amp; </a:t>
-            </a:r>
-            <a:r>
-              <a:rPr lang="en-US" altLang="zh-CN" dirty="0" err="1" smtClean="0"/>
-              <a:t>TLibCS</a:t>
-            </a:r>
-            <a:r>
-              <a:rPr lang="zh-CN" altLang="en-US" dirty="0" smtClean="0"/>
-              <a:t>提供丰富的数据解析功能。</a:t>
-            </a:r>
-            <a:endParaRPr lang="zh-CN" altLang="en-US" dirty="0"/>
           </a:p>
         </p:txBody>
       </p:sp>
     </p:spTree>
     <p:extLst>
       <p:ext uri="{BB962C8B-B14F-4D97-AF65-F5344CB8AC3E}">
-        <p14:creationId xmlns:p14="http://schemas.microsoft.com/office/powerpoint/2010/main" val="3425216335"/>
+        <p14:creationId xmlns:p14="http://schemas.microsoft.com/office/powerpoint/2010/main" val="2840965687"/>
       </p:ext>
     </p:extLst>
   </p:cSld>
   <p:clrMapOvr>
     <a:masterClrMapping/>
   </p:clrMapOvr>
+  <p:timing>
+    <p:tnLst>
+      <p:par>
+        <p:cTn id="1" dur="indefinite" restart="never" nodeType="tmRoot"/>
+      </p:par>
+    </p:tnLst>
+  </p:timing>
 </p:sld>
 </file>
 
@@ -7334,11 +8442,19 @@
           <a:bodyPr/>
           <a:lstStyle/>
           <a:p>
-            <a:r>
-              <a:rPr lang="zh-CN" altLang="en-US" dirty="0" smtClean="0"/>
+            <a:pPr algn="l"/>
+            <a:r>
+              <a:rPr lang="zh-CN" altLang="en-US" dirty="0"/>
               <a:t>实现方法</a:t>
             </a:r>
-            <a:endParaRPr lang="zh-CN" altLang="en-US" dirty="0"/>
+            <a:r>
+              <a:rPr lang="en-US" altLang="zh-CN" dirty="0"/>
+              <a:t>——</a:t>
+            </a:r>
+            <a:r>
+              <a:rPr lang="zh-CN" altLang="en-US" dirty="0"/>
+              <a:t>严谨的数据描述语言 </a:t>
+            </a:r>
           </a:p>
         </p:txBody>
       </p:sp>
@@ -7358,139 +8474,145 @@
           <a:lstStyle/>
           <a:p>
             <a:r>
-              <a:rPr lang="en-US" altLang="zh-CN" dirty="0" err="1" smtClean="0"/>
-              <a:t>Tdata</a:t>
-            </a:r>
-            <a:r>
-              <a:rPr lang="zh-CN" altLang="en-US" dirty="0" smtClean="0"/>
-              <a:t>数据描述语言使用正则表达式和巴克斯范式进行规定。</a:t>
-            </a:r>
-            <a:endParaRPr lang="en-US" altLang="zh-CN" dirty="0" smtClean="0"/>
-          </a:p>
-          <a:p>
-            <a:pPr marL="0" indent="0">
-              <a:buNone/>
-            </a:pPr>
-            <a:r>
-              <a:rPr lang="zh-CN" altLang="en-US" dirty="0" smtClean="0">
-                <a:hlinkClick r:id="rId2"/>
-              </a:rPr>
-              <a:t>文档包含</a:t>
-            </a:r>
-            <a:r>
-              <a:rPr lang="en-US" altLang="zh-CN" dirty="0" smtClean="0">
-                <a:hlinkClick r:id="rId2"/>
-              </a:rPr>
-              <a:t>7</a:t>
-            </a:r>
-            <a:r>
-              <a:rPr lang="zh-CN" altLang="en-US" dirty="0" smtClean="0">
-                <a:hlinkClick r:id="rId2"/>
-              </a:rPr>
-              <a:t>种基本元素</a:t>
-            </a:r>
-            <a:endParaRPr lang="en-US" altLang="zh-CN" dirty="0" smtClean="0">
-              <a:hlinkClick r:id="rId2"/>
-            </a:endParaRPr>
-          </a:p>
-          <a:p>
-            <a:pPr marL="0" indent="0">
-              <a:buNone/>
-            </a:pPr>
-            <a:r>
-              <a:rPr lang="en-US" altLang="zh-CN" dirty="0">
-                <a:hlinkClick r:id="rId2"/>
-              </a:rPr>
-              <a:t> [3] Definition : Import | </a:t>
-            </a:r>
-            <a:r>
-              <a:rPr lang="en-US" altLang="zh-CN" dirty="0" err="1">
-                <a:hlinkClick r:id="rId2"/>
-              </a:rPr>
-              <a:t>Const</a:t>
-            </a:r>
-            <a:r>
-              <a:rPr lang="en-US" altLang="zh-CN" dirty="0">
-                <a:hlinkClick r:id="rId2"/>
-              </a:rPr>
+              <a:rPr lang="en-US" altLang="zh-CN" dirty="0"/>
+              <a:t>[7] </a:t>
+            </a:r>
+            <a:r>
+              <a:rPr lang="en-US" altLang="zh-CN" dirty="0" err="1"/>
+              <a:t>Enum</a:t>
+            </a:r>
+            <a:r>
+              <a:rPr lang="en-US" altLang="zh-CN" dirty="0"/>
+              <a:t> : '</a:t>
+            </a:r>
+            <a:r>
+              <a:rPr lang="en-US" altLang="zh-CN" dirty="0" err="1"/>
+              <a:t>enum</a:t>
+            </a:r>
+            <a:r>
+              <a:rPr lang="en-US" altLang="zh-CN" dirty="0"/>
+              <a:t>' '</a:t>
+            </a:r>
+            <a:r>
+              <a:rPr lang="zh-CN" altLang="en-US" dirty="0"/>
+              <a:t>枚举类型名</a:t>
+            </a:r>
+            <a:r>
+              <a:rPr lang="en-US" altLang="zh-CN" dirty="0"/>
+              <a:t>_</a:t>
+            </a:r>
+            <a:r>
+              <a:rPr lang="zh-CN" altLang="en-US" dirty="0"/>
+              <a:t>标识符</a:t>
+            </a:r>
+            <a:r>
+              <a:rPr lang="en-US" altLang="zh-CN" dirty="0"/>
+              <a:t>' '{' </a:t>
+            </a:r>
+            <a:r>
+              <a:rPr lang="en-US" altLang="zh-CN" dirty="0" err="1"/>
+              <a:t>EnumDefList</a:t>
+            </a:r>
+            <a:r>
+              <a:rPr lang="en-US" altLang="zh-CN" dirty="0"/>
+              <a:t> '}'   ';'</a:t>
+            </a:r>
+          </a:p>
+          <a:p>
+            <a:r>
+              <a:rPr lang="en-US" altLang="zh-CN" dirty="0"/>
+              <a:t>[8] </a:t>
+            </a:r>
+            <a:r>
+              <a:rPr lang="en-US" altLang="zh-CN" dirty="0" err="1"/>
+              <a:t>EnumDefList</a:t>
+            </a:r>
+            <a:r>
+              <a:rPr lang="en-US" altLang="zh-CN" dirty="0"/>
+              <a:t> : </a:t>
+            </a:r>
+            <a:r>
+              <a:rPr lang="en-US" altLang="zh-CN" dirty="0" err="1"/>
+              <a:t>EnumDefList</a:t>
+            </a:r>
+            <a:r>
+              <a:rPr lang="en-US" altLang="zh-CN" dirty="0"/>
+              <a:t> </a:t>
+            </a:r>
+            <a:r>
+              <a:rPr lang="en-US" altLang="zh-CN" dirty="0" err="1"/>
+              <a:t>EnumDef</a:t>
+            </a:r>
+            <a:r>
+              <a:rPr lang="en-US" altLang="zh-CN" dirty="0"/>
               <a:t> | </a:t>
             </a:r>
             <a:r>
-              <a:rPr lang="en-US" altLang="zh-CN" dirty="0" err="1">
-                <a:hlinkClick r:id="rId2"/>
-              </a:rPr>
-              <a:t>Typedef</a:t>
-            </a:r>
-            <a:r>
-              <a:rPr lang="en-US" altLang="zh-CN" dirty="0">
-                <a:hlinkClick r:id="rId2"/>
-              </a:rPr>
-              <a:t> | </a:t>
-            </a:r>
-            <a:r>
-              <a:rPr lang="en-US" altLang="zh-CN" dirty="0" err="1">
-                <a:hlinkClick r:id="rId2"/>
-              </a:rPr>
-              <a:t>Struct</a:t>
-            </a:r>
-            <a:r>
-              <a:rPr lang="en-US" altLang="zh-CN" dirty="0">
-                <a:hlinkClick r:id="rId2"/>
-              </a:rPr>
-              <a:t> | Union | </a:t>
-            </a:r>
-            <a:r>
-              <a:rPr lang="en-US" altLang="zh-CN" dirty="0" err="1">
-                <a:hlinkClick r:id="rId2"/>
-              </a:rPr>
-              <a:t>Enum</a:t>
-            </a:r>
-            <a:r>
-              <a:rPr lang="en-US" altLang="zh-CN" dirty="0">
-                <a:hlinkClick r:id="rId2"/>
-              </a:rPr>
-              <a:t> | </a:t>
-            </a:r>
-            <a:r>
-              <a:rPr lang="en-US" altLang="zh-CN" dirty="0" err="1" smtClean="0">
-                <a:hlinkClick r:id="rId2"/>
-              </a:rPr>
-              <a:t>UnixComment</a:t>
-            </a:r>
-            <a:endParaRPr lang="en-US" altLang="zh-CN" dirty="0" smtClean="0">
-              <a:hlinkClick r:id="rId2"/>
-            </a:endParaRPr>
-          </a:p>
-          <a:p>
-            <a:pPr marL="0" indent="0">
-              <a:buNone/>
-            </a:pPr>
-            <a:r>
-              <a:rPr lang="zh-CN" altLang="en-US" dirty="0" smtClean="0">
-                <a:hlinkClick r:id="rId2"/>
-              </a:rPr>
-              <a:t>可以在如下地址找到详细的语法说明：</a:t>
-            </a:r>
-            <a:endParaRPr lang="en-US" altLang="zh-CN" dirty="0" smtClean="0">
-              <a:hlinkClick r:id="rId2"/>
-            </a:endParaRPr>
-          </a:p>
-          <a:p>
-            <a:pPr marL="0" indent="0">
-              <a:buNone/>
-            </a:pPr>
-            <a:r>
-              <a:rPr lang="en-US" altLang="zh-CN" dirty="0" smtClean="0">
-                <a:hlinkClick r:id="rId2"/>
-              </a:rPr>
-              <a:t>https</a:t>
-            </a:r>
-            <a:r>
-              <a:rPr lang="en-US" altLang="zh-CN" dirty="0">
-                <a:hlinkClick r:id="rId2"/>
-              </a:rPr>
-              <a:t>://github.com/randyliu/TData/wiki/Language-Guide</a:t>
-            </a:r>
+              <a:rPr lang="en-US" altLang="zh-CN" dirty="0" err="1"/>
+              <a:t>EnumDef</a:t>
+            </a:r>
+            <a:endParaRPr lang="en-US" altLang="zh-CN" dirty="0"/>
+          </a:p>
+          <a:p>
+            <a:r>
+              <a:rPr lang="en-US" altLang="zh-CN" dirty="0"/>
+              <a:t>[9] </a:t>
+            </a:r>
+            <a:r>
+              <a:rPr lang="en-US" altLang="zh-CN" dirty="0" err="1"/>
+              <a:t>EnumDef</a:t>
+            </a:r>
+            <a:r>
+              <a:rPr lang="en-US" altLang="zh-CN" dirty="0"/>
+              <a:t> : '</a:t>
+            </a:r>
+            <a:r>
+              <a:rPr lang="zh-CN" altLang="en-US" dirty="0"/>
+              <a:t>枚举变量</a:t>
+            </a:r>
+            <a:r>
+              <a:rPr lang="en-US" altLang="zh-CN" dirty="0"/>
+              <a:t>_</a:t>
+            </a:r>
+            <a:r>
+              <a:rPr lang="zh-CN" altLang="en-US" dirty="0"/>
+              <a:t>标识符</a:t>
+            </a:r>
+            <a:r>
+              <a:rPr lang="en-US" altLang="zh-CN" dirty="0"/>
+              <a:t>' '=' Value ',' </a:t>
+            </a:r>
+            <a:r>
+              <a:rPr lang="en-US" altLang="zh-CN" dirty="0" err="1"/>
+              <a:t>UnixCommentOrNot</a:t>
+            </a:r>
+            <a:r>
+              <a:rPr lang="en-US" altLang="zh-CN" dirty="0"/>
+              <a:t> | '</a:t>
+            </a:r>
+            <a:r>
+              <a:rPr lang="zh-CN" altLang="en-US" dirty="0"/>
+              <a:t>枚举变量</a:t>
+            </a:r>
+            <a:r>
+              <a:rPr lang="en-US" altLang="zh-CN" dirty="0"/>
+              <a:t>_</a:t>
+            </a:r>
+            <a:r>
+              <a:rPr lang="zh-CN" altLang="en-US" dirty="0"/>
+              <a:t>标识符</a:t>
+            </a:r>
+            <a:r>
+              <a:rPr lang="en-US" altLang="zh-CN" dirty="0"/>
+              <a:t>' ',' </a:t>
+            </a:r>
+            <a:r>
+              <a:rPr lang="en-US" altLang="zh-CN" dirty="0" err="1"/>
+              <a:t>UnixCommentOrNot</a:t>
+            </a:r>
+            <a:endParaRPr lang="en-US" altLang="zh-CN" dirty="0"/>
+          </a:p>
+          <a:p>
             <a:endParaRPr lang="zh-CN" altLang="en-US" dirty="0"/>
           </a:p>
         </p:txBody>
@@ -7498,13 +8620,20 @@
     </p:spTree>
     <p:extLst>
       <p:ext uri="{BB962C8B-B14F-4D97-AF65-F5344CB8AC3E}">
-        <p14:creationId xmlns:p14="http://schemas.microsoft.com/office/powerpoint/2010/main" val="2162610701"/>
+        <p14:creationId xmlns:p14="http://schemas.microsoft.com/office/powerpoint/2010/main" val="1098624407"/>
       </p:ext>
     </p:extLst>
   </p:cSld>
   <p:clrMapOvr>
     <a:masterClrMapping/>
   </p:clrMapOvr>
+  <p:timing>
+    <p:tnLst>
+      <p:par>
+        <p:cTn id="1" dur="indefinite" restart="never" nodeType="tmRoot"/>
+      </p:par>
+    </p:tnLst>
+  </p:timing>
 </p:sld>
 </file>
 

--- a/docs/TData.pptx
+++ b/docs/TData.pptx
@@ -20,6 +20,9 @@
     <p:sldId id="278" r:id="rId14"/>
     <p:sldId id="279" r:id="rId15"/>
     <p:sldId id="280" r:id="rId16"/>
+    <p:sldId id="281" r:id="rId17"/>
+    <p:sldId id="282" r:id="rId18"/>
+    <p:sldId id="283" r:id="rId19"/>
   </p:sldIdLst>
   <p:sldSz cx="12192000" cy="6858000"/>
   <p:notesSz cx="6858000" cy="9144000"/>
@@ -6939,10 +6942,12 @@
           <a:p>
             <a:r>
               <a:rPr lang="en-US" altLang="zh-CN" dirty="0"/>
-              <a:t>import "common/common.td"</a:t>
-            </a:r>
-          </a:p>
-          <a:p>
+              <a:t>import "common/common.td</a:t>
+            </a:r>
+            <a:r>
+              <a:rPr lang="en-US" altLang="zh-CN" dirty="0" smtClean="0"/>
+              <a:t>"</a:t>
+            </a:r>
             <a:endParaRPr lang="en-US" altLang="zh-CN" dirty="0"/>
           </a:p>
           <a:p>
@@ -6995,8 +7000,16 @@
           </a:p>
           <a:p>
             <a:r>
-              <a:rPr lang="en-US" altLang="zh-CN" dirty="0"/>
+              <a:rPr lang="en-US" altLang="zh-CN" dirty="0" smtClean="0"/>
               <a:t>};</a:t>
+            </a:r>
+          </a:p>
+          <a:p>
+            <a:r>
+              <a:rPr lang="en-US" altLang="zh-CN" dirty="0">
+                <a:hlinkClick r:id="rId2"/>
+              </a:rPr>
+              <a:t>https://github.com/randyliu/TData/wiki/Language-Guide</a:t>
             </a:r>
             <a:endParaRPr lang="zh-CN" altLang="en-US" dirty="0"/>
           </a:p>
@@ -7086,10 +7099,6 @@
           <a:lstStyle/>
           <a:p>
             <a:r>
-              <a:rPr lang="zh-CN" altLang="en-US" dirty="0" smtClean="0"/>
-              <a:t>使用</a:t>
-            </a:r>
-            <a:r>
               <a:rPr lang="en-US" altLang="zh-CN" dirty="0" smtClean="0"/>
               <a:t>C</a:t>
             </a:r>
@@ -7131,8 +7140,17 @@
               <a:t>generator_t</a:t>
             </a:r>
             <a:r>
-              <a:rPr lang="zh-CN" altLang="en-US" smtClean="0"/>
-              <a:t>来简单的扩展。</a:t>
+              <a:rPr lang="zh-CN" altLang="en-US" dirty="0" smtClean="0"/>
+              <a:t>类简单的进行扩展。</a:t>
+            </a:r>
+            <a:endParaRPr lang="en-US" altLang="zh-CN" dirty="0" smtClean="0"/>
+          </a:p>
+          <a:p>
+            <a:r>
+              <a:rPr lang="en-US" altLang="zh-CN" dirty="0">
+                <a:hlinkClick r:id="rId2"/>
+              </a:rPr>
+              <a:t>https://github.com/randyliu/TData</a:t>
             </a:r>
             <a:endParaRPr lang="zh-CN" altLang="en-US" dirty="0"/>
           </a:p>
@@ -7142,6 +7160,384 @@
     <p:extLst>
       <p:ext uri="{BB962C8B-B14F-4D97-AF65-F5344CB8AC3E}">
         <p14:creationId xmlns:p14="http://schemas.microsoft.com/office/powerpoint/2010/main" val="2411883993"/>
+      </p:ext>
+    </p:extLst>
+  </p:cSld>
+  <p:clrMapOvr>
+    <a:masterClrMapping/>
+  </p:clrMapOvr>
+</p:sld>
+</file>
+
+<file path=ppt/slides/slide16.xml><?xml version="1.0" encoding="utf-8"?>
+<p:sld xmlns:a="http://schemas.openxmlformats.org/drawingml/2006/main" xmlns:r="http://schemas.openxmlformats.org/officeDocument/2006/relationships" xmlns:p="http://schemas.openxmlformats.org/presentationml/2006/main">
+  <p:cSld>
+    <p:spTree>
+      <p:nvGrpSpPr>
+        <p:cNvPr id="1" name=""/>
+        <p:cNvGrpSpPr/>
+        <p:nvPr/>
+      </p:nvGrpSpPr>
+      <p:grpSpPr>
+        <a:xfrm>
+          <a:off x="0" y="0"/>
+          <a:ext cx="0" cy="0"/>
+          <a:chOff x="0" y="0"/>
+          <a:chExt cx="0" cy="0"/>
+        </a:xfrm>
+      </p:grpSpPr>
+      <p:sp>
+        <p:nvSpPr>
+          <p:cNvPr id="2" name="标题 1"/>
+          <p:cNvSpPr>
+            <a:spLocks noGrp="1"/>
+          </p:cNvSpPr>
+          <p:nvPr>
+            <p:ph type="title"/>
+          </p:nvPr>
+        </p:nvSpPr>
+        <p:spPr/>
+        <p:txBody>
+          <a:bodyPr>
+            <a:normAutofit/>
+          </a:bodyPr>
+          <a:lstStyle/>
+          <a:p>
+            <a:r>
+              <a:rPr lang="zh-CN" altLang="en-US" dirty="0"/>
+              <a:t>实现方法</a:t>
+            </a:r>
+            <a:r>
+              <a:rPr lang="en-US" altLang="zh-CN" dirty="0"/>
+              <a:t>——</a:t>
+            </a:r>
+            <a:r>
+              <a:rPr lang="zh-CN" altLang="en-US" dirty="0" smtClean="0"/>
+              <a:t>丰富</a:t>
+            </a:r>
+            <a:r>
+              <a:rPr lang="zh-CN" altLang="en-US" dirty="0"/>
+              <a:t>的</a:t>
+            </a:r>
+            <a:r>
+              <a:rPr lang="zh-CN" altLang="en-US" dirty="0" smtClean="0"/>
+              <a:t>语言支持</a:t>
+            </a:r>
+            <a:endParaRPr lang="zh-CN" altLang="en-US" dirty="0"/>
+          </a:p>
+        </p:txBody>
+      </p:sp>
+      <p:sp>
+        <p:nvSpPr>
+          <p:cNvPr id="3" name="内容占位符 2"/>
+          <p:cNvSpPr>
+            <a:spLocks noGrp="1"/>
+          </p:cNvSpPr>
+          <p:nvPr>
+            <p:ph idx="1"/>
+          </p:nvPr>
+        </p:nvSpPr>
+        <p:spPr/>
+        <p:txBody>
+          <a:bodyPr/>
+          <a:lstStyle/>
+          <a:p>
+            <a:r>
+              <a:rPr lang="en-US" altLang="zh-CN" dirty="0" err="1" smtClean="0"/>
+              <a:t>TLibC</a:t>
+            </a:r>
+            <a:endParaRPr lang="en-US" altLang="zh-CN" dirty="0" smtClean="0"/>
+          </a:p>
+          <a:p>
+            <a:r>
+              <a:rPr lang="en-US" altLang="zh-CN" dirty="0" err="1" smtClean="0"/>
+              <a:t>TLibCS</a:t>
+            </a:r>
+            <a:endParaRPr lang="en-US" altLang="zh-CN" dirty="0" smtClean="0"/>
+          </a:p>
+          <a:p>
+            <a:r>
+              <a:rPr lang="en-US" altLang="zh-CN" dirty="0" err="1" smtClean="0"/>
+              <a:t>TLib</a:t>
+            </a:r>
+            <a:r>
+              <a:rPr lang="en-US" altLang="zh-CN" dirty="0" smtClean="0"/>
+              <a:t>?</a:t>
+            </a:r>
+          </a:p>
+          <a:p>
+            <a:r>
+              <a:rPr lang="en-US" altLang="zh-CN" dirty="0"/>
+              <a:t>……</a:t>
+            </a:r>
+            <a:endParaRPr lang="zh-CN" altLang="en-US" dirty="0"/>
+          </a:p>
+        </p:txBody>
+      </p:sp>
+    </p:spTree>
+    <p:extLst>
+      <p:ext uri="{BB962C8B-B14F-4D97-AF65-F5344CB8AC3E}">
+        <p14:creationId xmlns:p14="http://schemas.microsoft.com/office/powerpoint/2010/main" val="220991374"/>
+      </p:ext>
+    </p:extLst>
+  </p:cSld>
+  <p:clrMapOvr>
+    <a:masterClrMapping/>
+  </p:clrMapOvr>
+</p:sld>
+</file>
+
+<file path=ppt/slides/slide17.xml><?xml version="1.0" encoding="utf-8"?>
+<p:sld xmlns:a="http://schemas.openxmlformats.org/drawingml/2006/main" xmlns:r="http://schemas.openxmlformats.org/officeDocument/2006/relationships" xmlns:p="http://schemas.openxmlformats.org/presentationml/2006/main">
+  <p:cSld>
+    <p:spTree>
+      <p:nvGrpSpPr>
+        <p:cNvPr id="1" name=""/>
+        <p:cNvGrpSpPr/>
+        <p:nvPr/>
+      </p:nvGrpSpPr>
+      <p:grpSpPr>
+        <a:xfrm>
+          <a:off x="0" y="0"/>
+          <a:ext cx="0" cy="0"/>
+          <a:chOff x="0" y="0"/>
+          <a:chExt cx="0" cy="0"/>
+        </a:xfrm>
+      </p:grpSpPr>
+      <p:sp>
+        <p:nvSpPr>
+          <p:cNvPr id="2" name="标题 1"/>
+          <p:cNvSpPr>
+            <a:spLocks noGrp="1"/>
+          </p:cNvSpPr>
+          <p:nvPr>
+            <p:ph type="title"/>
+          </p:nvPr>
+        </p:nvSpPr>
+        <p:spPr/>
+        <p:txBody>
+          <a:bodyPr>
+            <a:normAutofit fontScale="90000"/>
+          </a:bodyPr>
+          <a:lstStyle/>
+          <a:p>
+            <a:r>
+              <a:rPr lang="zh-CN" altLang="en-US" dirty="0"/>
+              <a:t>实现方法</a:t>
+            </a:r>
+            <a:r>
+              <a:rPr lang="en-US" altLang="zh-CN" dirty="0"/>
+              <a:t>——</a:t>
+            </a:r>
+            <a:r>
+              <a:rPr lang="zh-CN" altLang="en-US" dirty="0"/>
+              <a:t>丰富</a:t>
+            </a:r>
+            <a:r>
+              <a:rPr lang="zh-CN" altLang="en-US" dirty="0" smtClean="0"/>
+              <a:t>的数据格式支持</a:t>
+            </a:r>
+            <a:r>
+              <a:rPr lang="en-US" altLang="zh-CN" dirty="0"/>
+              <a:t/>
+            </a:r>
+            <a:br>
+              <a:rPr lang="en-US" altLang="zh-CN" dirty="0"/>
+            </a:br>
+            <a:r>
+              <a:rPr lang="en-US" altLang="zh-CN" dirty="0" err="1" smtClean="0"/>
+              <a:t>TLibC</a:t>
+            </a:r>
+            <a:r>
+              <a:rPr lang="en-US" altLang="zh-CN" dirty="0" smtClean="0"/>
+              <a:t>/Excel</a:t>
+            </a:r>
+            <a:endParaRPr lang="zh-CN" altLang="en-US" dirty="0"/>
+          </a:p>
+        </p:txBody>
+      </p:sp>
+      <p:sp>
+        <p:nvSpPr>
+          <p:cNvPr id="3" name="内容占位符 2"/>
+          <p:cNvSpPr>
+            <a:spLocks noGrp="1"/>
+          </p:cNvSpPr>
+          <p:nvPr>
+            <p:ph idx="1"/>
+          </p:nvPr>
+        </p:nvSpPr>
+        <p:spPr/>
+        <p:txBody>
+          <a:bodyPr/>
+          <a:lstStyle/>
+          <a:p>
+            <a:r>
+              <a:rPr lang="en-US" altLang="zh-CN" dirty="0" smtClean="0"/>
+              <a:t>Excel</a:t>
+            </a:r>
+            <a:r>
+              <a:rPr lang="zh-CN" altLang="en-US" dirty="0" smtClean="0"/>
+              <a:t>文件的格式可以在</a:t>
+            </a:r>
+            <a:r>
+              <a:rPr lang="en-US" altLang="zh-CN" dirty="0">
+                <a:hlinkClick r:id="rId2"/>
+              </a:rPr>
+              <a:t>http://officeopenxml.com</a:t>
+            </a:r>
+            <a:r>
+              <a:rPr lang="en-US" altLang="zh-CN" dirty="0" smtClean="0">
+                <a:hlinkClick r:id="rId2"/>
+              </a:rPr>
+              <a:t>/</a:t>
+            </a:r>
+            <a:r>
+              <a:rPr lang="zh-CN" altLang="en-US" dirty="0" smtClean="0"/>
+              <a:t>中找到。</a:t>
+            </a:r>
+            <a:endParaRPr lang="en-US" altLang="zh-CN" dirty="0" smtClean="0"/>
+          </a:p>
+          <a:p>
+            <a:r>
+              <a:rPr lang="zh-CN" altLang="en-US" dirty="0" smtClean="0"/>
+              <a:t>使用</a:t>
+            </a:r>
+            <a:r>
+              <a:rPr lang="en-US" altLang="zh-CN" dirty="0" err="1" smtClean="0"/>
+              <a:t>Zlib</a:t>
+            </a:r>
+            <a:r>
+              <a:rPr lang="zh-CN" altLang="en-US" dirty="0" smtClean="0"/>
+              <a:t>进行解压缩。</a:t>
+            </a:r>
+            <a:endParaRPr lang="en-US" altLang="zh-CN" dirty="0" smtClean="0"/>
+          </a:p>
+          <a:p>
+            <a:r>
+              <a:rPr lang="zh-CN" altLang="en-US" dirty="0" smtClean="0"/>
+              <a:t>使用</a:t>
+            </a:r>
+            <a:r>
+              <a:rPr lang="en-US" altLang="zh-CN" dirty="0" smtClean="0"/>
+              <a:t>re2c</a:t>
+            </a:r>
+            <a:r>
+              <a:rPr lang="zh-CN" altLang="en-US" dirty="0" smtClean="0"/>
+              <a:t>进行</a:t>
+            </a:r>
+            <a:r>
+              <a:rPr lang="en-US" altLang="zh-CN" dirty="0" smtClean="0"/>
+              <a:t>xml</a:t>
+            </a:r>
+            <a:r>
+              <a:rPr lang="zh-CN" altLang="en-US" dirty="0" smtClean="0"/>
+              <a:t>的读取。</a:t>
+            </a:r>
+            <a:endParaRPr lang="zh-CN" altLang="en-US" dirty="0"/>
+          </a:p>
+        </p:txBody>
+      </p:sp>
+    </p:spTree>
+    <p:extLst>
+      <p:ext uri="{BB962C8B-B14F-4D97-AF65-F5344CB8AC3E}">
+        <p14:creationId xmlns:p14="http://schemas.microsoft.com/office/powerpoint/2010/main" val="2304317424"/>
+      </p:ext>
+    </p:extLst>
+  </p:cSld>
+  <p:clrMapOvr>
+    <a:masterClrMapping/>
+  </p:clrMapOvr>
+</p:sld>
+</file>
+
+<file path=ppt/slides/slide18.xml><?xml version="1.0" encoding="utf-8"?>
+<p:sld xmlns:a="http://schemas.openxmlformats.org/drawingml/2006/main" xmlns:r="http://schemas.openxmlformats.org/officeDocument/2006/relationships" xmlns:p="http://schemas.openxmlformats.org/presentationml/2006/main">
+  <p:cSld>
+    <p:spTree>
+      <p:nvGrpSpPr>
+        <p:cNvPr id="1" name=""/>
+        <p:cNvGrpSpPr/>
+        <p:nvPr/>
+      </p:nvGrpSpPr>
+      <p:grpSpPr>
+        <a:xfrm>
+          <a:off x="0" y="0"/>
+          <a:ext cx="0" cy="0"/>
+          <a:chOff x="0" y="0"/>
+          <a:chExt cx="0" cy="0"/>
+        </a:xfrm>
+      </p:grpSpPr>
+      <p:sp>
+        <p:nvSpPr>
+          <p:cNvPr id="2" name="标题 1"/>
+          <p:cNvSpPr>
+            <a:spLocks noGrp="1"/>
+          </p:cNvSpPr>
+          <p:nvPr>
+            <p:ph type="title"/>
+          </p:nvPr>
+        </p:nvSpPr>
+        <p:spPr/>
+        <p:txBody>
+          <a:bodyPr>
+            <a:normAutofit fontScale="90000"/>
+          </a:bodyPr>
+          <a:lstStyle/>
+          <a:p>
+            <a:r>
+              <a:rPr lang="zh-CN" altLang="en-US" dirty="0"/>
+              <a:t>实现方法</a:t>
+            </a:r>
+            <a:r>
+              <a:rPr lang="en-US" altLang="zh-CN" dirty="0"/>
+              <a:t>——</a:t>
+            </a:r>
+            <a:r>
+              <a:rPr lang="zh-CN" altLang="en-US" dirty="0"/>
+              <a:t>丰富的数据格式支持</a:t>
+            </a:r>
+            <a:r>
+              <a:rPr lang="en-US" altLang="zh-CN" dirty="0"/>
+              <a:t/>
+            </a:r>
+            <a:br>
+              <a:rPr lang="en-US" altLang="zh-CN" dirty="0"/>
+            </a:br>
+            <a:r>
+              <a:rPr lang="en-US" altLang="zh-CN" dirty="0" err="1" smtClean="0"/>
+              <a:t>TLibC</a:t>
+            </a:r>
+            <a:r>
+              <a:rPr lang="en-US" altLang="zh-CN" smtClean="0"/>
+              <a:t>/MySQL</a:t>
+            </a:r>
+            <a:endParaRPr lang="zh-CN" altLang="en-US" dirty="0"/>
+          </a:p>
+        </p:txBody>
+      </p:sp>
+      <p:sp>
+        <p:nvSpPr>
+          <p:cNvPr id="3" name="内容占位符 2"/>
+          <p:cNvSpPr>
+            <a:spLocks noGrp="1"/>
+          </p:cNvSpPr>
+          <p:nvPr>
+            <p:ph idx="1"/>
+          </p:nvPr>
+        </p:nvSpPr>
+        <p:spPr/>
+        <p:txBody>
+          <a:bodyPr/>
+          <a:lstStyle/>
+          <a:p>
+            <a:endParaRPr lang="zh-CN" altLang="en-US"/>
+          </a:p>
+        </p:txBody>
+      </p:sp>
+    </p:spTree>
+    <p:extLst>
+      <p:ext uri="{BB962C8B-B14F-4D97-AF65-F5344CB8AC3E}">
+        <p14:creationId xmlns:p14="http://schemas.microsoft.com/office/powerpoint/2010/main" val="3225211725"/>
       </p:ext>
     </p:extLst>
   </p:cSld>
